--- a/presentation/Transformer_Udemy/Udemy_P5_Components to build NLP web-applications with LLMs.pptx
+++ b/presentation/Transformer_Udemy/Udemy_P5_Components to build NLP web-applications with LLMs.pptx
@@ -261,7 +261,7 @@
           <a:p>
             <a:fld id="{83E62246-8680-4D4D-A3BD-0C5BFD468F61}" type="datetimeFigureOut">
               <a:rPr lang="en-US" smtClean="0"/>
-              <a:t>6/25/2024</a:t>
+              <a:t>6/27/2024</a:t>
             </a:fld>
             <a:endParaRPr lang="en-US"/>
           </a:p>
@@ -677,7 +677,7 @@
           <a:p>
             <a:fld id="{DE15CBC1-10D1-4E1D-B7D3-1A6D6027583C}" type="datetimeFigureOut">
               <a:rPr lang="en-US" smtClean="0"/>
-              <a:t>6/25/2024</a:t>
+              <a:t>6/27/2024</a:t>
             </a:fld>
             <a:endParaRPr lang="en-US"/>
           </a:p>
@@ -875,7 +875,7 @@
           <a:p>
             <a:fld id="{DE15CBC1-10D1-4E1D-B7D3-1A6D6027583C}" type="datetimeFigureOut">
               <a:rPr lang="en-US" smtClean="0"/>
-              <a:t>6/25/2024</a:t>
+              <a:t>6/27/2024</a:t>
             </a:fld>
             <a:endParaRPr lang="en-US"/>
           </a:p>
@@ -1083,7 +1083,7 @@
           <a:p>
             <a:fld id="{DE15CBC1-10D1-4E1D-B7D3-1A6D6027583C}" type="datetimeFigureOut">
               <a:rPr lang="en-US" smtClean="0"/>
-              <a:t>6/25/2024</a:t>
+              <a:t>6/27/2024</a:t>
             </a:fld>
             <a:endParaRPr lang="en-US"/>
           </a:p>
@@ -1283,7 +1283,7 @@
           <a:p>
             <a:fld id="{DE15CBC1-10D1-4E1D-B7D3-1A6D6027583C}" type="datetimeFigureOut">
               <a:rPr lang="en-US" smtClean="0"/>
-              <a:t>6/25/2024</a:t>
+              <a:t>6/27/2024</a:t>
             </a:fld>
             <a:endParaRPr lang="en-US"/>
           </a:p>
@@ -1559,7 +1559,7 @@
           <a:p>
             <a:fld id="{DE15CBC1-10D1-4E1D-B7D3-1A6D6027583C}" type="datetimeFigureOut">
               <a:rPr lang="en-US" smtClean="0"/>
-              <a:t>6/25/2024</a:t>
+              <a:t>6/27/2024</a:t>
             </a:fld>
             <a:endParaRPr lang="en-US"/>
           </a:p>
@@ -1824,7 +1824,7 @@
           <a:p>
             <a:fld id="{DE15CBC1-10D1-4E1D-B7D3-1A6D6027583C}" type="datetimeFigureOut">
               <a:rPr lang="en-US" smtClean="0"/>
-              <a:t>6/25/2024</a:t>
+              <a:t>6/27/2024</a:t>
             </a:fld>
             <a:endParaRPr lang="en-US"/>
           </a:p>
@@ -2236,7 +2236,7 @@
           <a:p>
             <a:fld id="{DE15CBC1-10D1-4E1D-B7D3-1A6D6027583C}" type="datetimeFigureOut">
               <a:rPr lang="en-US" smtClean="0"/>
-              <a:t>6/25/2024</a:t>
+              <a:t>6/27/2024</a:t>
             </a:fld>
             <a:endParaRPr lang="en-US"/>
           </a:p>
@@ -2377,7 +2377,7 @@
           <a:p>
             <a:fld id="{DE15CBC1-10D1-4E1D-B7D3-1A6D6027583C}" type="datetimeFigureOut">
               <a:rPr lang="en-US" smtClean="0"/>
-              <a:t>6/25/2024</a:t>
+              <a:t>6/27/2024</a:t>
             </a:fld>
             <a:endParaRPr lang="en-US"/>
           </a:p>
@@ -2490,7 +2490,7 @@
           <a:p>
             <a:fld id="{DE15CBC1-10D1-4E1D-B7D3-1A6D6027583C}" type="datetimeFigureOut">
               <a:rPr lang="en-US" smtClean="0"/>
-              <a:t>6/25/2024</a:t>
+              <a:t>6/27/2024</a:t>
             </a:fld>
             <a:endParaRPr lang="en-US"/>
           </a:p>
@@ -2801,7 +2801,7 @@
           <a:p>
             <a:fld id="{DE15CBC1-10D1-4E1D-B7D3-1A6D6027583C}" type="datetimeFigureOut">
               <a:rPr lang="en-US" smtClean="0"/>
-              <a:t>6/25/2024</a:t>
+              <a:t>6/27/2024</a:t>
             </a:fld>
             <a:endParaRPr lang="en-US"/>
           </a:p>
@@ -3092,7 +3092,7 @@
           <a:p>
             <a:fld id="{DE15CBC1-10D1-4E1D-B7D3-1A6D6027583C}" type="datetimeFigureOut">
               <a:rPr lang="en-US" smtClean="0"/>
-              <a:t>6/25/2024</a:t>
+              <a:t>6/27/2024</a:t>
             </a:fld>
             <a:endParaRPr lang="en-US"/>
           </a:p>
@@ -3334,7 +3334,7 @@
             <a:fld id="{DE15CBC1-10D1-4E1D-B7D3-1A6D6027583C}" type="datetimeFigureOut">
               <a:rPr lang="en-US" smtClean="0"/>
               <a:pPr/>
-              <a:t>6/25/2024</a:t>
+              <a:t>6/27/2024</a:t>
             </a:fld>
             <a:endParaRPr lang="en-US"/>
           </a:p>
@@ -4036,7 +4036,7 @@
         </p:blipFill>
         <p:spPr>
           <a:xfrm>
-            <a:off x="3270517" y="4910558"/>
+            <a:off x="3972545" y="4989934"/>
             <a:ext cx="899844" cy="789488"/>
           </a:xfrm>
           <a:prstGeom prst="rect">
@@ -4073,7 +4073,7 @@
         </p:blipFill>
         <p:spPr bwMode="auto">
           <a:xfrm>
-            <a:off x="8594865" y="4979289"/>
+            <a:off x="7216958" y="5065675"/>
             <a:ext cx="626614" cy="638006"/>
           </a:xfrm>
           <a:prstGeom prst="rect">
@@ -4093,51 +4093,6 @@
       </p:pic>
       <p:pic>
         <p:nvPicPr>
-          <p:cNvPr id="7" name="Picture 6" descr="Qu'est-ce que Mistral AI ?">
-            <a:extLst>
-              <a:ext uri="{FF2B5EF4-FFF2-40B4-BE49-F238E27FC236}">
-                <a16:creationId xmlns:a16="http://schemas.microsoft.com/office/drawing/2014/main" id="{A0BABD1B-2390-9C9C-D7DB-EF2A597C4031}"/>
-              </a:ext>
-            </a:extLst>
-          </p:cNvPr>
-          <p:cNvPicPr>
-            <a:picLocks noChangeAspect="1" noChangeArrowheads="1"/>
-          </p:cNvPicPr>
-          <p:nvPr/>
-        </p:nvPicPr>
-        <p:blipFill rotWithShape="1">
-          <a:blip r:embed="rId4">
-            <a:extLst>
-              <a:ext uri="{28A0092B-C50C-407E-A947-70E740481C1C}">
-                <a14:useLocalDpi xmlns:a14="http://schemas.microsoft.com/office/drawing/2010/main" val="0"/>
-              </a:ext>
-            </a:extLst>
-          </a:blip>
-          <a:srcRect l="24983" t="35465" r="28130" b="36311"/>
-          <a:stretch/>
-        </p:blipFill>
-        <p:spPr bwMode="auto">
-          <a:xfrm>
-            <a:off x="6347933" y="4978056"/>
-            <a:ext cx="2019542" cy="639239"/>
-          </a:xfrm>
-          <a:prstGeom prst="rect">
-            <a:avLst/>
-          </a:prstGeom>
-          <a:noFill/>
-          <a:extLst>
-            <a:ext uri="{909E8E84-426E-40DD-AFC4-6F175D3DCCD1}">
-              <a14:hiddenFill xmlns:a14="http://schemas.microsoft.com/office/drawing/2010/main">
-                <a:solidFill>
-                  <a:srgbClr val="FFFFFF"/>
-                </a:solidFill>
-              </a14:hiddenFill>
-            </a:ext>
-          </a:extLst>
-        </p:spPr>
-      </p:pic>
-      <p:pic>
-        <p:nvPicPr>
           <p:cNvPr id="9" name="Picture 8">
             <a:extLst>
               <a:ext uri="{FF2B5EF4-FFF2-40B4-BE49-F238E27FC236}">
@@ -4151,14 +4106,14 @@
           <p:nvPr/>
         </p:nvPicPr>
         <p:blipFill>
-          <a:blip r:embed="rId5"/>
+          <a:blip r:embed="rId4"/>
           <a:stretch>
             <a:fillRect/>
           </a:stretch>
         </p:blipFill>
         <p:spPr>
           <a:xfrm>
-            <a:off x="4422294" y="4978057"/>
+            <a:off x="5124322" y="5057433"/>
             <a:ext cx="1673706" cy="639239"/>
           </a:xfrm>
           <a:prstGeom prst="rect">
@@ -4181,7 +4136,7 @@
           <p:nvPr/>
         </p:nvPicPr>
         <p:blipFill>
-          <a:blip r:embed="rId6"/>
+          <a:blip r:embed="rId5"/>
           <a:stretch>
             <a:fillRect/>
           </a:stretch>
@@ -4211,7 +4166,7 @@
           <p:nvPr/>
         </p:nvPicPr>
         <p:blipFill rotWithShape="1">
-          <a:blip r:embed="rId7">
+          <a:blip r:embed="rId6">
             <a:extLst>
               <a:ext uri="{28A0092B-C50C-407E-A947-70E740481C1C}">
                 <a14:useLocalDpi xmlns:a14="http://schemas.microsoft.com/office/drawing/2010/main" val="0"/>
@@ -4256,7 +4211,7 @@
           <p:nvPr/>
         </p:nvPicPr>
         <p:blipFill>
-          <a:blip r:embed="rId8">
+          <a:blip r:embed="rId7">
             <a:extLst>
               <a:ext uri="{28A0092B-C50C-407E-A947-70E740481C1C}">
                 <a14:useLocalDpi xmlns:a14="http://schemas.microsoft.com/office/drawing/2010/main" val="0"/>
@@ -4303,7 +4258,7 @@
           <p:nvPr/>
         </p:nvPicPr>
         <p:blipFill rotWithShape="1">
-          <a:blip r:embed="rId9">
+          <a:blip r:embed="rId8">
             <a:extLst>
               <a:ext uri="{28A0092B-C50C-407E-A947-70E740481C1C}">
                 <a14:useLocalDpi xmlns:a14="http://schemas.microsoft.com/office/drawing/2010/main" val="0"/>

--- a/presentation/Transformer_Udemy/Udemy_P5_Components to build NLP web-applications with LLMs.pptx
+++ b/presentation/Transformer_Udemy/Udemy_P5_Components to build NLP web-applications with LLMs.pptx
@@ -5,7 +5,7 @@
     <p:sldMasterId id="2147483648" r:id="rId1"/>
   </p:sldMasterIdLst>
   <p:notesMasterIdLst>
-    <p:notesMasterId r:id="rId67"/>
+    <p:notesMasterId r:id="rId68"/>
   </p:notesMasterIdLst>
   <p:sldIdLst>
     <p:sldId id="710" r:id="rId2"/>
@@ -72,7 +72,8 @@
     <p:sldId id="615" r:id="rId63"/>
     <p:sldId id="568" r:id="rId64"/>
     <p:sldId id="617" r:id="rId65"/>
-    <p:sldId id="407" r:id="rId66"/>
+    <p:sldId id="711" r:id="rId66"/>
+    <p:sldId id="407" r:id="rId67"/>
   </p:sldIdLst>
   <p:sldSz cx="12192000" cy="6858000"/>
   <p:notesSz cx="6858000" cy="9144000"/>
@@ -261,7 +262,7 @@
           <a:p>
             <a:fld id="{83E62246-8680-4D4D-A3BD-0C5BFD468F61}" type="datetimeFigureOut">
               <a:rPr lang="en-US" smtClean="0"/>
-              <a:t>6/27/2024</a:t>
+              <a:t>7/3/2024</a:t>
             </a:fld>
             <a:endParaRPr lang="en-US"/>
           </a:p>
@@ -677,7 +678,7 @@
           <a:p>
             <a:fld id="{DE15CBC1-10D1-4E1D-B7D3-1A6D6027583C}" type="datetimeFigureOut">
               <a:rPr lang="en-US" smtClean="0"/>
-              <a:t>6/27/2024</a:t>
+              <a:t>7/3/2024</a:t>
             </a:fld>
             <a:endParaRPr lang="en-US"/>
           </a:p>
@@ -875,7 +876,7 @@
           <a:p>
             <a:fld id="{DE15CBC1-10D1-4E1D-B7D3-1A6D6027583C}" type="datetimeFigureOut">
               <a:rPr lang="en-US" smtClean="0"/>
-              <a:t>6/27/2024</a:t>
+              <a:t>7/3/2024</a:t>
             </a:fld>
             <a:endParaRPr lang="en-US"/>
           </a:p>
@@ -1083,7 +1084,7 @@
           <a:p>
             <a:fld id="{DE15CBC1-10D1-4E1D-B7D3-1A6D6027583C}" type="datetimeFigureOut">
               <a:rPr lang="en-US" smtClean="0"/>
-              <a:t>6/27/2024</a:t>
+              <a:t>7/3/2024</a:t>
             </a:fld>
             <a:endParaRPr lang="en-US"/>
           </a:p>
@@ -1283,7 +1284,7 @@
           <a:p>
             <a:fld id="{DE15CBC1-10D1-4E1D-B7D3-1A6D6027583C}" type="datetimeFigureOut">
               <a:rPr lang="en-US" smtClean="0"/>
-              <a:t>6/27/2024</a:t>
+              <a:t>7/3/2024</a:t>
             </a:fld>
             <a:endParaRPr lang="en-US"/>
           </a:p>
@@ -1559,7 +1560,7 @@
           <a:p>
             <a:fld id="{DE15CBC1-10D1-4E1D-B7D3-1A6D6027583C}" type="datetimeFigureOut">
               <a:rPr lang="en-US" smtClean="0"/>
-              <a:t>6/27/2024</a:t>
+              <a:t>7/3/2024</a:t>
             </a:fld>
             <a:endParaRPr lang="en-US"/>
           </a:p>
@@ -1824,7 +1825,7 @@
           <a:p>
             <a:fld id="{DE15CBC1-10D1-4E1D-B7D3-1A6D6027583C}" type="datetimeFigureOut">
               <a:rPr lang="en-US" smtClean="0"/>
-              <a:t>6/27/2024</a:t>
+              <a:t>7/3/2024</a:t>
             </a:fld>
             <a:endParaRPr lang="en-US"/>
           </a:p>
@@ -2236,7 +2237,7 @@
           <a:p>
             <a:fld id="{DE15CBC1-10D1-4E1D-B7D3-1A6D6027583C}" type="datetimeFigureOut">
               <a:rPr lang="en-US" smtClean="0"/>
-              <a:t>6/27/2024</a:t>
+              <a:t>7/3/2024</a:t>
             </a:fld>
             <a:endParaRPr lang="en-US"/>
           </a:p>
@@ -2377,7 +2378,7 @@
           <a:p>
             <a:fld id="{DE15CBC1-10D1-4E1D-B7D3-1A6D6027583C}" type="datetimeFigureOut">
               <a:rPr lang="en-US" smtClean="0"/>
-              <a:t>6/27/2024</a:t>
+              <a:t>7/3/2024</a:t>
             </a:fld>
             <a:endParaRPr lang="en-US"/>
           </a:p>
@@ -2490,7 +2491,7 @@
           <a:p>
             <a:fld id="{DE15CBC1-10D1-4E1D-B7D3-1A6D6027583C}" type="datetimeFigureOut">
               <a:rPr lang="en-US" smtClean="0"/>
-              <a:t>6/27/2024</a:t>
+              <a:t>7/3/2024</a:t>
             </a:fld>
             <a:endParaRPr lang="en-US"/>
           </a:p>
@@ -2801,7 +2802,7 @@
           <a:p>
             <a:fld id="{DE15CBC1-10D1-4E1D-B7D3-1A6D6027583C}" type="datetimeFigureOut">
               <a:rPr lang="en-US" smtClean="0"/>
-              <a:t>6/27/2024</a:t>
+              <a:t>7/3/2024</a:t>
             </a:fld>
             <a:endParaRPr lang="en-US"/>
           </a:p>
@@ -3092,7 +3093,7 @@
           <a:p>
             <a:fld id="{DE15CBC1-10D1-4E1D-B7D3-1A6D6027583C}" type="datetimeFigureOut">
               <a:rPr lang="en-US" smtClean="0"/>
-              <a:t>6/27/2024</a:t>
+              <a:t>7/3/2024</a:t>
             </a:fld>
             <a:endParaRPr lang="en-US"/>
           </a:p>
@@ -3334,7 +3335,7 @@
             <a:fld id="{DE15CBC1-10D1-4E1D-B7D3-1A6D6027583C}" type="datetimeFigureOut">
               <a:rPr lang="en-US" smtClean="0"/>
               <a:pPr/>
-              <a:t>6/27/2024</a:t>
+              <a:t>7/3/2024</a:t>
             </a:fld>
             <a:endParaRPr lang="en-US"/>
           </a:p>
@@ -4341,7 +4342,7 @@
           <a:p>
             <a:r>
               <a:rPr lang="en-US" dirty="0"/>
-              <a:t>How to use </a:t>
+              <a:t>How to Use </a:t>
             </a:r>
             <a:r>
               <a:rPr lang="en-US" dirty="0" err="1"/>
@@ -4375,13 +4376,20 @@
           <a:bodyPr/>
           <a:lstStyle/>
           <a:p>
+            <a:pPr>
+              <a:buFont typeface="Arial" panose="020B0604020202020204" pitchFamily="34" charset="0"/>
+              <a:buChar char="•"/>
+            </a:pPr>
             <a:r>
               <a:rPr lang="en-US" dirty="0"/>
               <a:t> Installation</a:t>
             </a:r>
           </a:p>
           <a:p>
-            <a:pPr lvl="1"/>
+            <a:pPr lvl="1">
+              <a:buFont typeface="Arial" panose="020B0604020202020204" pitchFamily="34" charset="0"/>
+              <a:buChar char="•"/>
+            </a:pPr>
             <a:r>
               <a:rPr lang="en-US" dirty="0"/>
               <a:t> pip install </a:t>
@@ -4393,6 +4401,10 @@
             <a:endParaRPr lang="en-US" dirty="0"/>
           </a:p>
           <a:p>
+            <a:pPr>
+              <a:buFont typeface="Arial" panose="020B0604020202020204" pitchFamily="34" charset="0"/>
+              <a:buChar char="•"/>
+            </a:pPr>
             <a:r>
               <a:rPr lang="en-US" dirty="0"/>
               <a:t> </a:t>
@@ -4407,14 +4419,20 @@
             </a:r>
           </a:p>
           <a:p>
-            <a:pPr lvl="1"/>
+            <a:pPr lvl="1">
+              <a:buFont typeface="Arial" panose="020B0604020202020204" pitchFamily="34" charset="0"/>
+              <a:buChar char="•"/>
+            </a:pPr>
             <a:r>
               <a:rPr lang="en-US" dirty="0"/>
               <a:t>https://python.langchain.com/v0.2/docs/how_to/</a:t>
             </a:r>
           </a:p>
           <a:p>
-            <a:pPr lvl="1"/>
+            <a:pPr lvl="1">
+              <a:buFont typeface="Arial" panose="020B0604020202020204" pitchFamily="34" charset="0"/>
+              <a:buChar char="•"/>
+            </a:pPr>
             <a:endParaRPr lang="en-US" dirty="0"/>
           </a:p>
         </p:txBody>
@@ -4472,7 +4490,7 @@
           <a:p>
             <a:r>
               <a:rPr lang="en-US" dirty="0"/>
-              <a:t>How to use </a:t>
+              <a:t>How to Use </a:t>
             </a:r>
             <a:r>
               <a:rPr lang="en-US" dirty="0" err="1"/>
@@ -4572,7 +4590,7 @@
             </a:r>
             <a:r>
               <a:rPr lang="en-US" dirty="0"/>
-              <a:t> Simple Use-case</a:t>
+              <a:t> Simple Example</a:t>
             </a:r>
           </a:p>
         </p:txBody>
@@ -6356,11 +6374,19 @@
               <a:buChar char="•"/>
             </a:pPr>
             <a:r>
-              <a:rPr lang="en-US" dirty="0" err="1"/>
+              <a:rPr lang="en-US" dirty="0" err="1">
+                <a:solidFill>
+                  <a:srgbClr val="002060"/>
+                </a:solidFill>
+              </a:rPr>
               <a:t>LlamaIndex</a:t>
             </a:r>
             <a:r>
-              <a:rPr lang="en-US" dirty="0"/>
+              <a:rPr lang="en-US" dirty="0">
+                <a:solidFill>
+                  <a:srgbClr val="002060"/>
+                </a:solidFill>
+              </a:rPr>
               <a:t> focuses on LLM applications for documents, i.e. RAG use cases.</a:t>
             </a:r>
           </a:p>
@@ -6748,7 +6774,7 @@
             </a:r>
             <a:r>
               <a:rPr lang="en-US" dirty="0"/>
-              <a:t> Simple Use-case</a:t>
+              <a:t> Simple Example</a:t>
             </a:r>
           </a:p>
         </p:txBody>
@@ -8555,60 +8581,90 @@
           </a:bodyPr>
           <a:lstStyle/>
           <a:p>
+            <a:pPr>
+              <a:buFont typeface="Arial" panose="020B0604020202020204" pitchFamily="34" charset="0"/>
+              <a:buChar char="•"/>
+            </a:pPr>
             <a:r>
               <a:rPr lang="en-US" dirty="0"/>
               <a:t> Shared publicly in Hugging Face Hub, GitHub or other platforms.</a:t>
             </a:r>
           </a:p>
           <a:p>
-            <a:pPr lvl="1"/>
+            <a:pPr lvl="1">
+              <a:buFont typeface="Arial" panose="020B0604020202020204" pitchFamily="34" charset="0"/>
+              <a:buChar char="•"/>
+            </a:pPr>
             <a:r>
               <a:rPr lang="en-US" dirty="0"/>
               <a:t> With source-code included or open-weights only.</a:t>
             </a:r>
           </a:p>
           <a:p>
+            <a:pPr>
+              <a:buFont typeface="Arial" panose="020B0604020202020204" pitchFamily="34" charset="0"/>
+              <a:buChar char="•"/>
+            </a:pPr>
             <a:r>
               <a:rPr lang="en-US" dirty="0"/>
               <a:t> With appropriate licenses: </a:t>
             </a:r>
           </a:p>
           <a:p>
-            <a:pPr lvl="1"/>
+            <a:pPr lvl="1">
+              <a:buFont typeface="Arial" panose="020B0604020202020204" pitchFamily="34" charset="0"/>
+              <a:buChar char="•"/>
+            </a:pPr>
             <a:r>
               <a:rPr lang="en-US" dirty="0"/>
               <a:t>for research, </a:t>
             </a:r>
           </a:p>
           <a:p>
-            <a:pPr lvl="1"/>
+            <a:pPr lvl="1">
+              <a:buFont typeface="Arial" panose="020B0604020202020204" pitchFamily="34" charset="0"/>
+              <a:buChar char="•"/>
+            </a:pPr>
             <a:r>
               <a:rPr lang="en-US" dirty="0"/>
               <a:t>with or without commercial usage, etc.</a:t>
             </a:r>
           </a:p>
           <a:p>
+            <a:pPr>
+              <a:buFont typeface="Arial" panose="020B0604020202020204" pitchFamily="34" charset="0"/>
+              <a:buChar char="•"/>
+            </a:pPr>
             <a:r>
               <a:rPr lang="en-US" dirty="0"/>
               <a:t> Examples</a:t>
             </a:r>
           </a:p>
           <a:p>
-            <a:pPr lvl="1"/>
+            <a:pPr lvl="1">
+              <a:buFont typeface="Arial" panose="020B0604020202020204" pitchFamily="34" charset="0"/>
+              <a:buChar char="•"/>
+            </a:pPr>
             <a:r>
               <a:rPr lang="en-US" dirty="0"/>
               <a:t>Llama 2, 3 of Meta AI, </a:t>
             </a:r>
           </a:p>
           <a:p>
-            <a:pPr lvl="1"/>
+            <a:pPr lvl="1">
+              <a:buFont typeface="Arial" panose="020B0604020202020204" pitchFamily="34" charset="0"/>
+              <a:buChar char="•"/>
+            </a:pPr>
             <a:r>
               <a:rPr lang="en-US" dirty="0"/>
               <a:t>Mistral, </a:t>
             </a:r>
           </a:p>
           <a:p>
-            <a:pPr lvl="1"/>
+            <a:pPr lvl="1">
+              <a:buFont typeface="Arial" panose="020B0604020202020204" pitchFamily="34" charset="0"/>
+              <a:buChar char="•"/>
+            </a:pPr>
             <a:r>
               <a:rPr lang="en-US" dirty="0" err="1"/>
               <a:t>OLMo</a:t>
@@ -8678,32 +8734,50 @@
           </a:bodyPr>
           <a:lstStyle/>
           <a:p>
+            <a:pPr>
+              <a:buFont typeface="Arial" panose="020B0604020202020204" pitchFamily="34" charset="0"/>
+              <a:buChar char="•"/>
+            </a:pPr>
             <a:r>
               <a:rPr lang="en-US" dirty="0"/>
               <a:t> Neither weights nor source-code are shared publicly.</a:t>
             </a:r>
           </a:p>
           <a:p>
+            <a:pPr>
+              <a:buFont typeface="Arial" panose="020B0604020202020204" pitchFamily="34" charset="0"/>
+              <a:buChar char="•"/>
+            </a:pPr>
             <a:r>
               <a:rPr lang="en-US" dirty="0"/>
               <a:t> Payment for use</a:t>
             </a:r>
           </a:p>
           <a:p>
+            <a:pPr>
+              <a:buFont typeface="Arial" panose="020B0604020202020204" pitchFamily="34" charset="0"/>
+              <a:buChar char="•"/>
+            </a:pPr>
             <a:r>
               <a:rPr lang="en-US" dirty="0"/>
               <a:t> Examples:</a:t>
             </a:r>
           </a:p>
           <a:p>
-            <a:pPr lvl="1"/>
+            <a:pPr lvl="1">
+              <a:buFont typeface="Arial" panose="020B0604020202020204" pitchFamily="34" charset="0"/>
+              <a:buChar char="•"/>
+            </a:pPr>
             <a:r>
               <a:rPr lang="en-US" dirty="0"/>
               <a:t> OpenAI: GPT-4, GPT-4o</a:t>
             </a:r>
           </a:p>
           <a:p>
-            <a:pPr lvl="1"/>
+            <a:pPr lvl="1">
+              <a:buFont typeface="Arial" panose="020B0604020202020204" pitchFamily="34" charset="0"/>
+              <a:buChar char="•"/>
+            </a:pPr>
             <a:r>
               <a:rPr lang="en-US" dirty="0"/>
               <a:t> Anthropic: Claude 3.5</a:t>
@@ -8769,7 +8843,7 @@
           <a:p>
             <a:r>
               <a:rPr lang="en-US" dirty="0"/>
-              <a:t>Usage examples</a:t>
+              <a:t>Usage Examples</a:t>
             </a:r>
           </a:p>
         </p:txBody>
@@ -10530,7 +10604,7 @@
           <a:p>
             <a:r>
               <a:rPr lang="en-US" dirty="0"/>
-              <a:t>What we will obtain</a:t>
+              <a:t>What We Will Learn</a:t>
             </a:r>
           </a:p>
         </p:txBody>
@@ -10558,65 +10632,93 @@
           </a:bodyPr>
           <a:lstStyle/>
           <a:p>
+            <a:pPr>
+              <a:buFont typeface="Arial" panose="020B0604020202020204" pitchFamily="34" charset="0"/>
+              <a:buChar char="•"/>
+            </a:pPr>
             <a:r>
               <a:rPr lang="en-US" b="1" dirty="0"/>
-              <a:t> Components to build LLM-based web-applications (among others)</a:t>
-            </a:r>
-          </a:p>
-          <a:p>
-            <a:pPr lvl="1"/>
+              <a:t> Components to build LLM-based web-applications</a:t>
+            </a:r>
+          </a:p>
+          <a:p>
+            <a:pPr lvl="1">
+              <a:buFont typeface="Arial" panose="020B0604020202020204" pitchFamily="34" charset="0"/>
+              <a:buChar char="•"/>
+            </a:pPr>
             <a:r>
               <a:rPr lang="en-US" b="1" dirty="0"/>
-              <a:t>Backend</a:t>
-            </a:r>
-          </a:p>
-          <a:p>
-            <a:pPr lvl="2"/>
+              <a:t> Backend components</a:t>
+            </a:r>
+          </a:p>
+          <a:p>
+            <a:pPr lvl="2">
+              <a:buFont typeface="Arial" panose="020B0604020202020204" pitchFamily="34" charset="0"/>
+              <a:buChar char="•"/>
+            </a:pPr>
             <a:r>
               <a:rPr lang="en-US" b="1" dirty="0"/>
-              <a:t> LLM's orchestration frameworks</a:t>
-            </a:r>
-          </a:p>
-          <a:p>
-            <a:pPr lvl="2"/>
+              <a:t> LLM orchestration frameworks</a:t>
+            </a:r>
+          </a:p>
+          <a:p>
+            <a:pPr lvl="2">
+              <a:buFont typeface="Arial" panose="020B0604020202020204" pitchFamily="34" charset="0"/>
+              <a:buChar char="•"/>
+            </a:pPr>
             <a:r>
               <a:rPr lang="en-US" b="1" dirty="0"/>
               <a:t> Open-source vs Proprietary LLMs</a:t>
             </a:r>
           </a:p>
           <a:p>
-            <a:pPr lvl="2"/>
+            <a:pPr lvl="2">
+              <a:buFont typeface="Arial" panose="020B0604020202020204" pitchFamily="34" charset="0"/>
+              <a:buChar char="•"/>
+            </a:pPr>
             <a:r>
               <a:rPr lang="en-US" b="1" dirty="0"/>
               <a:t> Vector embedding</a:t>
             </a:r>
           </a:p>
           <a:p>
-            <a:pPr lvl="2"/>
+            <a:pPr lvl="2">
+              <a:buFont typeface="Arial" panose="020B0604020202020204" pitchFamily="34" charset="0"/>
+              <a:buChar char="•"/>
+            </a:pPr>
             <a:r>
               <a:rPr lang="en-US" b="1" dirty="0"/>
               <a:t> Vector database</a:t>
             </a:r>
           </a:p>
           <a:p>
-            <a:pPr lvl="2"/>
+            <a:pPr lvl="2">
+              <a:buFont typeface="Arial" panose="020B0604020202020204" pitchFamily="34" charset="0"/>
+              <a:buChar char="•"/>
+            </a:pPr>
             <a:r>
               <a:rPr lang="en-US" b="1" dirty="0"/>
               <a:t> Prompt Engineering</a:t>
             </a:r>
           </a:p>
           <a:p>
-            <a:pPr lvl="1"/>
+            <a:pPr lvl="1">
+              <a:buFont typeface="Arial" panose="020B0604020202020204" pitchFamily="34" charset="0"/>
+              <a:buChar char="•"/>
+            </a:pPr>
             <a:r>
               <a:rPr lang="en-US" b="1" dirty="0"/>
-              <a:t> Frontend</a:t>
-            </a:r>
-          </a:p>
-          <a:p>
-            <a:pPr lvl="2"/>
+              <a:t> Frontend components</a:t>
+            </a:r>
+          </a:p>
+          <a:p>
+            <a:pPr lvl="2">
+              <a:buFont typeface="Arial" panose="020B0604020202020204" pitchFamily="34" charset="0"/>
+              <a:buChar char="•"/>
+            </a:pPr>
             <a:r>
               <a:rPr lang="en-US" b="1" dirty="0"/>
-              <a:t>Python-based frontend frameworks for web application</a:t>
+              <a:t>Python-based frontend frameworks</a:t>
             </a:r>
           </a:p>
         </p:txBody>
@@ -11336,7 +11438,7 @@
           <a:p>
             <a:r>
               <a:rPr lang="en-US" dirty="0"/>
-              <a:t>Vector embedding</a:t>
+              <a:t>Vector Embedding</a:t>
             </a:r>
           </a:p>
         </p:txBody>
@@ -11362,24 +11464,40 @@
           <a:bodyPr/>
           <a:lstStyle/>
           <a:p>
+            <a:pPr>
+              <a:buFont typeface="Arial" panose="020B0604020202020204" pitchFamily="34" charset="0"/>
+              <a:buChar char="•"/>
+            </a:pPr>
             <a:r>
               <a:rPr lang="en-US" dirty="0"/>
               <a:t> Why vector embedding?</a:t>
             </a:r>
           </a:p>
           <a:p>
+            <a:pPr>
+              <a:buFont typeface="Arial" panose="020B0604020202020204" pitchFamily="34" charset="0"/>
+              <a:buChar char="•"/>
+            </a:pPr>
             <a:r>
               <a:rPr lang="en-US" dirty="0"/>
               <a:t> What is the vector embedding process?</a:t>
             </a:r>
           </a:p>
           <a:p>
+            <a:pPr>
+              <a:buFont typeface="Arial" panose="020B0604020202020204" pitchFamily="34" charset="0"/>
+              <a:buChar char="•"/>
+            </a:pPr>
             <a:r>
               <a:rPr lang="en-US" dirty="0"/>
               <a:t> How does pre-trained embedding model capture semantic meaning of words?</a:t>
             </a:r>
           </a:p>
           <a:p>
+            <a:pPr>
+              <a:buFont typeface="Arial" panose="020B0604020202020204" pitchFamily="34" charset="0"/>
+              <a:buChar char="•"/>
+            </a:pPr>
             <a:r>
               <a:rPr lang="en-US" dirty="0"/>
               <a:t> How to choose an embedding model?</a:t>
@@ -11440,7 +11558,7 @@
           <a:p>
             <a:r>
               <a:rPr lang="en-US" dirty="0"/>
-              <a:t>Why vector embedding?</a:t>
+              <a:t>Why Vector Embedding?</a:t>
             </a:r>
           </a:p>
         </p:txBody>
@@ -12676,7 +12794,7 @@
           <a:p>
             <a:r>
               <a:rPr lang="en-US" dirty="0"/>
-              <a:t>What is the vector embedding process?</a:t>
+              <a:t>What Is the Vector Embedding Process?</a:t>
             </a:r>
           </a:p>
         </p:txBody>
@@ -12704,53 +12822,80 @@
           </a:bodyPr>
           <a:lstStyle/>
           <a:p>
+            <a:pPr>
+              <a:buFont typeface="Arial" panose="020B0604020202020204" pitchFamily="34" charset="0"/>
+              <a:buChar char="•"/>
+            </a:pPr>
             <a:r>
               <a:rPr lang="en-US" sz="2400" dirty="0"/>
               <a:t> Vector embedding process</a:t>
             </a:r>
           </a:p>
           <a:p>
-            <a:pPr lvl="1"/>
+            <a:pPr lvl="1">
+              <a:buFont typeface="Arial" panose="020B0604020202020204" pitchFamily="34" charset="0"/>
+              <a:buChar char="•"/>
+            </a:pPr>
             <a:r>
               <a:rPr lang="en-US" sz="2000" dirty="0"/>
               <a:t> Creating a numerical representation of words, sentences, or even entire documents </a:t>
             </a:r>
           </a:p>
           <a:p>
-            <a:pPr lvl="1"/>
+            <a:pPr lvl="1">
+              <a:buFont typeface="Arial" panose="020B0604020202020204" pitchFamily="34" charset="0"/>
+              <a:buChar char="•"/>
+            </a:pPr>
             <a:r>
               <a:rPr lang="en-US" sz="2000" dirty="0"/>
               <a:t> Capturing the semantic and syntactic meanings between words </a:t>
             </a:r>
           </a:p>
           <a:p>
-            <a:pPr lvl="1"/>
+            <a:pPr lvl="1">
+              <a:buFont typeface="Arial" panose="020B0604020202020204" pitchFamily="34" charset="0"/>
+              <a:buChar char="•"/>
+            </a:pPr>
             <a:r>
               <a:rPr lang="en-US" sz="2000" dirty="0"/>
               <a:t> Enabling algorithms to comprehend their contextual meaning and reason with</a:t>
             </a:r>
           </a:p>
           <a:p>
+            <a:pPr>
+              <a:buFont typeface="Arial" panose="020B0604020202020204" pitchFamily="34" charset="0"/>
+              <a:buChar char="•"/>
+            </a:pPr>
             <a:r>
               <a:rPr lang="en-US" sz="2400" dirty="0"/>
               <a:t>Inputs: </a:t>
             </a:r>
           </a:p>
           <a:p>
-            <a:pPr lvl="1"/>
+            <a:pPr lvl="1">
+              <a:buFont typeface="Arial" panose="020B0604020202020204" pitchFamily="34" charset="0"/>
+              <a:buChar char="•"/>
+            </a:pPr>
             <a:r>
               <a:rPr lang="en-US" sz="2000" dirty="0"/>
               <a:t>Words, or sentences or entire document</a:t>
             </a:r>
           </a:p>
           <a:p>
+            <a:pPr>
+              <a:buFont typeface="Arial" panose="020B0604020202020204" pitchFamily="34" charset="0"/>
+              <a:buChar char="•"/>
+            </a:pPr>
             <a:r>
               <a:rPr lang="en-US" sz="2400" dirty="0"/>
               <a:t>Outputs:  </a:t>
             </a:r>
           </a:p>
           <a:p>
-            <a:pPr lvl="1"/>
+            <a:pPr lvl="1">
+              <a:buFont typeface="Arial" panose="020B0604020202020204" pitchFamily="34" charset="0"/>
+              <a:buChar char="•"/>
+            </a:pPr>
             <a:r>
               <a:rPr lang="en-US" sz="2000" dirty="0"/>
               <a:t>High-dimensional vectors, a long sequence of continuous values</a:t>
@@ -12899,7 +13044,11 @@
           <a:lstStyle/>
           <a:p>
             <a:r>
-              <a:rPr lang="en-US" dirty="0"/>
+              <a:rPr lang="en-US" b="1" dirty="0">
+                <a:solidFill>
+                  <a:srgbClr val="002060"/>
+                </a:solidFill>
+              </a:rPr>
               <a:t>Embedding model</a:t>
             </a:r>
           </a:p>
@@ -13325,7 +13474,11 @@
           <a:lstStyle/>
           <a:p>
             <a:r>
-              <a:rPr lang="en-US" dirty="0"/>
+              <a:rPr lang="en-US" dirty="0">
+                <a:solidFill>
+                  <a:srgbClr val="002060"/>
+                </a:solidFill>
+              </a:rPr>
               <a:t>Text</a:t>
             </a:r>
           </a:p>
@@ -13360,7 +13513,11 @@
           <a:lstStyle/>
           <a:p>
             <a:r>
-              <a:rPr lang="en-US" dirty="0"/>
+              <a:rPr lang="en-US" dirty="0">
+                <a:solidFill>
+                  <a:srgbClr val="002060"/>
+                </a:solidFill>
+              </a:rPr>
               <a:t>High-dimensional vector</a:t>
             </a:r>
           </a:p>
@@ -13415,13 +13572,13 @@
         <p:spPr/>
         <p:txBody>
           <a:bodyPr>
-            <a:normAutofit fontScale="90000"/>
+            <a:normAutofit/>
           </a:bodyPr>
           <a:lstStyle/>
           <a:p>
             <a:r>
               <a:rPr lang="en-US" dirty="0"/>
-              <a:t>How does pre-trained embedding model capture semantic meaning of words?</a:t>
+              <a:t>Pre-trained Embedding Model</a:t>
             </a:r>
           </a:p>
         </p:txBody>
@@ -13450,38 +13607,54 @@
         </p:spPr>
         <p:txBody>
           <a:bodyPr>
-            <a:normAutofit lnSpcReduction="10000"/>
+            <a:normAutofit fontScale="92500"/>
           </a:bodyPr>
           <a:lstStyle/>
           <a:p>
+            <a:pPr>
+              <a:buFont typeface="Arial" panose="020B0604020202020204" pitchFamily="34" charset="0"/>
+              <a:buChar char="•"/>
+            </a:pPr>
             <a:r>
               <a:rPr lang="en-US" dirty="0"/>
-              <a:t> Pre-trained embedding model</a:t>
-            </a:r>
-          </a:p>
-          <a:p>
-            <a:pPr lvl="1"/>
+              <a:t> How does pre-trained embedding model capture semantic meaning of words? </a:t>
+            </a:r>
+          </a:p>
+          <a:p>
+            <a:pPr lvl="1">
+              <a:buFont typeface="Arial" panose="020B0604020202020204" pitchFamily="34" charset="0"/>
+              <a:buChar char="•"/>
+            </a:pPr>
             <a:r>
               <a:rPr lang="en-US" dirty="0"/>
-              <a:t> Trained on a large corpus of text</a:t>
-            </a:r>
-          </a:p>
-          <a:p>
-            <a:pPr lvl="1"/>
+              <a:t>Trained on a large corpus of text</a:t>
+            </a:r>
+          </a:p>
+          <a:p>
+            <a:pPr lvl="1">
+              <a:buFont typeface="Arial" panose="020B0604020202020204" pitchFamily="34" charset="0"/>
+              <a:buChar char="•"/>
+            </a:pPr>
             <a:r>
               <a:rPr lang="en-US" dirty="0"/>
               <a:t> Model assigns vectors to words or sequences of words </a:t>
             </a:r>
           </a:p>
           <a:p>
-            <a:pPr lvl="1"/>
+            <a:pPr lvl="1">
+              <a:buFont typeface="Arial" panose="020B0604020202020204" pitchFamily="34" charset="0"/>
+              <a:buChar char="•"/>
+            </a:pPr>
             <a:r>
               <a:rPr lang="en-US" dirty="0"/>
               <a:t> Adjust model's weights so that the vectors reflect their semantic similarity and context, e.g. synonym, analogy, gender, sentiment, etc.</a:t>
             </a:r>
           </a:p>
           <a:p>
-            <a:pPr lvl="2"/>
+            <a:pPr lvl="2">
+              <a:buFont typeface="Arial" panose="020B0604020202020204" pitchFamily="34" charset="0"/>
+              <a:buChar char="•"/>
+            </a:pPr>
             <a:r>
               <a:rPr lang="en-US" dirty="0"/>
               <a:t>I.e. minimize the distance between similar words, and vice-versa.</a:t>
@@ -13579,7 +13752,11 @@
           <a:p>
             <a:pPr algn="ctr"/>
             <a:r>
-              <a:rPr lang="en-US" dirty="0"/>
+              <a:rPr lang="en-US" dirty="0">
+                <a:solidFill>
+                  <a:srgbClr val="002060"/>
+                </a:solidFill>
+              </a:rPr>
               <a:t> https://openai.com/index/introducing-text-and-code-embeddings/</a:t>
             </a:r>
           </a:p>
@@ -13638,7 +13815,7 @@
           <a:p>
             <a:r>
               <a:rPr lang="en-US" dirty="0"/>
-              <a:t>How to choose an embedding model?</a:t>
+              <a:t>How to Choose an Embedding Model?</a:t>
             </a:r>
           </a:p>
         </p:txBody>
@@ -13671,27 +13848,40 @@
           </a:bodyPr>
           <a:lstStyle/>
           <a:p>
+            <a:pPr>
+              <a:buFont typeface="Arial" panose="020B0604020202020204" pitchFamily="34" charset="0"/>
+              <a:buChar char="•"/>
+            </a:pPr>
             <a:r>
               <a:rPr lang="en-US" b="1" dirty="0"/>
               <a:t>By model types:</a:t>
             </a:r>
           </a:p>
           <a:p>
-            <a:pPr lvl="1"/>
+            <a:pPr lvl="1">
+              <a:buFont typeface="Arial" panose="020B0604020202020204" pitchFamily="34" charset="0"/>
+              <a:buChar char="•"/>
+            </a:pPr>
             <a:r>
               <a:rPr lang="en-US" b="1" dirty="0"/>
               <a:t>Open-sourced embedding models</a:t>
             </a:r>
           </a:p>
           <a:p>
-            <a:pPr lvl="2"/>
+            <a:pPr lvl="2">
+              <a:buFont typeface="Arial" panose="020B0604020202020204" pitchFamily="34" charset="0"/>
+              <a:buChar char="•"/>
+            </a:pPr>
             <a:r>
               <a:rPr lang="en-US" dirty="0"/>
               <a:t>Hosted in Hugging Face or other platforms</a:t>
             </a:r>
           </a:p>
           <a:p>
-            <a:pPr lvl="2"/>
+            <a:pPr lvl="2">
+              <a:buFont typeface="Arial" panose="020B0604020202020204" pitchFamily="34" charset="0"/>
+              <a:buChar char="•"/>
+            </a:pPr>
             <a:r>
               <a:rPr lang="en-US" b="1" dirty="0"/>
               <a:t>Fine-tune open-sourced embedding models on domain-specific data</a:t>
@@ -13699,40 +13889,60 @@
             <a:endParaRPr lang="en-US" dirty="0"/>
           </a:p>
           <a:p>
-            <a:pPr lvl="1"/>
+            <a:pPr lvl="1">
+              <a:buFont typeface="Arial" panose="020B0604020202020204" pitchFamily="34" charset="0"/>
+              <a:buChar char="•"/>
+            </a:pPr>
             <a:r>
               <a:rPr lang="en-US" b="1" dirty="0"/>
               <a:t>Proprietary embedding models</a:t>
             </a:r>
           </a:p>
           <a:p>
-            <a:pPr lvl="2"/>
+            <a:pPr lvl="2">
+              <a:buFont typeface="Arial" panose="020B0604020202020204" pitchFamily="34" charset="0"/>
+              <a:buChar char="•"/>
+            </a:pPr>
             <a:r>
               <a:rPr lang="en-US" dirty="0"/>
               <a:t>Via API, like OpenAI's Embedding models</a:t>
             </a:r>
           </a:p>
           <a:p>
+            <a:pPr>
+              <a:buFont typeface="Arial" panose="020B0604020202020204" pitchFamily="34" charset="0"/>
+              <a:buChar char="•"/>
+            </a:pPr>
             <a:r>
               <a:rPr lang="en-US" b="1" dirty="0"/>
               <a:t>By down-stream tasks </a:t>
             </a:r>
           </a:p>
           <a:p>
-            <a:pPr lvl="1"/>
+            <a:pPr lvl="1">
+              <a:buFont typeface="Arial" panose="020B0604020202020204" pitchFamily="34" charset="0"/>
+              <a:buChar char="•"/>
+            </a:pPr>
             <a:r>
               <a:rPr lang="en-US" b="1" dirty="0"/>
               <a:t>Classification, retrieval, summarization, etc.</a:t>
             </a:r>
           </a:p>
           <a:p>
+            <a:pPr>
+              <a:buFont typeface="Arial" panose="020B0604020202020204" pitchFamily="34" charset="0"/>
+              <a:buChar char="•"/>
+            </a:pPr>
             <a:r>
               <a:rPr lang="en-US" b="1" dirty="0"/>
               <a:t> By language</a:t>
             </a:r>
           </a:p>
           <a:p>
-            <a:pPr lvl="1"/>
+            <a:pPr lvl="1">
+              <a:buFont typeface="Arial" panose="020B0604020202020204" pitchFamily="34" charset="0"/>
+              <a:buChar char="•"/>
+            </a:pPr>
             <a:r>
               <a:rPr lang="en-US" b="1" dirty="0"/>
               <a:t>English, French, …</a:t>
@@ -13799,7 +14009,11 @@
           <a:lstStyle/>
           <a:p>
             <a:r>
-              <a:rPr lang="en-US" dirty="0"/>
+              <a:rPr lang="en-US" dirty="0">
+                <a:solidFill>
+                  <a:srgbClr val="002060"/>
+                </a:solidFill>
+              </a:rPr>
               <a:t>[*] https://openai.com/index/introducing-text-and-code-embeddings/</a:t>
             </a:r>
           </a:p>
@@ -13834,7 +14048,11 @@
           <a:lstStyle/>
           <a:p>
             <a:r>
-              <a:rPr lang="en-US" dirty="0"/>
+              <a:rPr lang="en-US" dirty="0">
+                <a:solidFill>
+                  <a:srgbClr val="002060"/>
+                </a:solidFill>
+              </a:rPr>
               <a:t>OpenAI's embedding model guides [*]</a:t>
             </a:r>
           </a:p>
@@ -13893,7 +14111,7 @@
           <a:p>
             <a:r>
               <a:rPr lang="en-US" dirty="0"/>
-              <a:t>How to choose an embedding model?</a:t>
+              <a:t>How to Choose an Embedding Model?</a:t>
             </a:r>
           </a:p>
         </p:txBody>
@@ -14139,12 +14357,20 @@
           <a:bodyPr/>
           <a:lstStyle/>
           <a:p>
+            <a:pPr>
+              <a:buFont typeface="Arial" panose="020B0604020202020204" pitchFamily="34" charset="0"/>
+              <a:buChar char="•"/>
+            </a:pPr>
             <a:r>
               <a:rPr lang="en-US" dirty="0"/>
               <a:t> What is a vector database?</a:t>
             </a:r>
           </a:p>
           <a:p>
+            <a:pPr>
+              <a:buFont typeface="Arial" panose="020B0604020202020204" pitchFamily="34" charset="0"/>
+              <a:buChar char="•"/>
+            </a:pPr>
             <a:r>
               <a:rPr lang="en-US" dirty="0"/>
               <a:t> The landscape of vector database providers</a:t>
@@ -14205,7 +14431,7 @@
           <a:p>
             <a:r>
               <a:rPr lang="en-US" dirty="0"/>
-              <a:t>What is a vector database?</a:t>
+              <a:t>What Is a Vector Database?</a:t>
             </a:r>
           </a:p>
         </p:txBody>
@@ -14231,40 +14457,60 @@
           <a:bodyPr/>
           <a:lstStyle/>
           <a:p>
+            <a:pPr>
+              <a:buFont typeface="Arial" panose="020B0604020202020204" pitchFamily="34" charset="0"/>
+              <a:buChar char="•"/>
+            </a:pPr>
             <a:r>
               <a:rPr lang="en-US" dirty="0"/>
               <a:t> It is a database </a:t>
             </a:r>
           </a:p>
           <a:p>
-            <a:pPr lvl="1"/>
+            <a:pPr lvl="1">
+              <a:buFont typeface="Arial" panose="020B0604020202020204" pitchFamily="34" charset="0"/>
+              <a:buChar char="•"/>
+            </a:pPr>
             <a:r>
               <a:rPr lang="en-US" dirty="0"/>
               <a:t> To store on high-dimensional vectors</a:t>
             </a:r>
           </a:p>
           <a:p>
-            <a:pPr lvl="1"/>
+            <a:pPr lvl="1">
+              <a:buFont typeface="Arial" panose="020B0604020202020204" pitchFamily="34" charset="0"/>
+              <a:buChar char="•"/>
+            </a:pPr>
             <a:r>
               <a:rPr lang="en-US" dirty="0"/>
               <a:t> To perform operations e.g. similarity or semantic search</a:t>
             </a:r>
           </a:p>
           <a:p>
+            <a:pPr>
+              <a:buFont typeface="Arial" panose="020B0604020202020204" pitchFamily="34" charset="0"/>
+              <a:buChar char="•"/>
+            </a:pPr>
             <a:r>
               <a:rPr lang="en-US" dirty="0"/>
               <a:t> These vectors are </a:t>
             </a:r>
           </a:p>
           <a:p>
-            <a:pPr lvl="1"/>
+            <a:pPr lvl="1">
+              <a:buFont typeface="Arial" panose="020B0604020202020204" pitchFamily="34" charset="0"/>
+              <a:buChar char="•"/>
+            </a:pPr>
             <a:r>
               <a:rPr lang="en-US" dirty="0"/>
               <a:t> mathematical representations of features or attributes derived from raw data, like raw text data, etc.</a:t>
             </a:r>
           </a:p>
           <a:p>
-            <a:pPr lvl="1"/>
+            <a:pPr lvl="1">
+              <a:buFont typeface="Arial" panose="020B0604020202020204" pitchFamily="34" charset="0"/>
+              <a:buChar char="•"/>
+            </a:pPr>
             <a:r>
               <a:rPr lang="en-US" dirty="0"/>
               <a:t> obtained by embedding process</a:t>
@@ -14316,7 +14562,11 @@
           <a:lstStyle/>
           <a:p>
             <a:pPr algn="ctr"/>
-            <a:endParaRPr lang="en-US" dirty="0"/>
+            <a:endParaRPr lang="en-US" dirty="0">
+              <a:solidFill>
+                <a:srgbClr val="002060"/>
+              </a:solidFill>
+            </a:endParaRPr>
           </a:p>
         </p:txBody>
       </p:sp>
@@ -14413,7 +14663,11 @@
           <a:lstStyle/>
           <a:p>
             <a:r>
-              <a:rPr lang="en-US" dirty="0"/>
+              <a:rPr lang="en-US" b="1" dirty="0">
+                <a:solidFill>
+                  <a:srgbClr val="002060"/>
+                </a:solidFill>
+              </a:rPr>
               <a:t>Embedding model</a:t>
             </a:r>
           </a:p>
@@ -14793,7 +15047,11 @@
           <a:lstStyle/>
           <a:p>
             <a:pPr algn="ctr"/>
-            <a:endParaRPr lang="en-US" dirty="0"/>
+            <a:endParaRPr lang="en-US" dirty="0">
+              <a:solidFill>
+                <a:srgbClr val="002060"/>
+              </a:solidFill>
+            </a:endParaRPr>
           </a:p>
         </p:txBody>
       </p:sp>
@@ -14890,7 +15148,11 @@
           <a:lstStyle/>
           <a:p>
             <a:r>
-              <a:rPr lang="en-US" dirty="0"/>
+              <a:rPr lang="en-US" b="1" dirty="0">
+                <a:solidFill>
+                  <a:srgbClr val="002060"/>
+                </a:solidFill>
+              </a:rPr>
               <a:t>Embedding model</a:t>
             </a:r>
           </a:p>
@@ -16233,7 +16495,7 @@
         <p:spPr>
           <a:xfrm>
             <a:off x="9435274" y="4345664"/>
-            <a:ext cx="1892762" cy="369332"/>
+            <a:ext cx="1992148" cy="369332"/>
           </a:xfrm>
           <a:prstGeom prst="rect">
             <a:avLst/>
@@ -16247,7 +16509,7 @@
           <a:lstStyle/>
           <a:p>
             <a:r>
-              <a:rPr lang="en-US" dirty="0">
+              <a:rPr lang="en-US" b="1" dirty="0">
                 <a:solidFill>
                   <a:srgbClr val="002060"/>
                 </a:solidFill>
@@ -16390,7 +16652,7 @@
           <a:p>
             <a:r>
               <a:rPr lang="en-US" dirty="0"/>
-              <a:t>Backend for LLM-based applications</a:t>
+              <a:t>Backend Components for LLM-based Applications</a:t>
             </a:r>
           </a:p>
         </p:txBody>
@@ -16473,7 +16735,7 @@
           <a:p>
             <a:r>
               <a:rPr lang="en-US" dirty="0"/>
-              <a:t>Vector database providers</a:t>
+              <a:t>Vector Database Providers</a:t>
             </a:r>
           </a:p>
         </p:txBody>
@@ -16537,7 +16799,11 @@
           <a:lstStyle/>
           <a:p>
             <a:r>
-              <a:rPr lang="en-US" dirty="0"/>
+              <a:rPr lang="en-US" dirty="0">
+                <a:solidFill>
+                  <a:srgbClr val="002060"/>
+                </a:solidFill>
+              </a:rPr>
               <a:t>Source: https://blog.det.life/why-you-shouldnt-invest-in-vector-databases-c0cd3f59d23c</a:t>
             </a:r>
           </a:p>
@@ -16603,23 +16869,7 @@
           <a:p>
             <a:r>
               <a:rPr lang="en-US" dirty="0"/>
-              <a:t>Creating Vector DB with </a:t>
-            </a:r>
-            <a:r>
-              <a:rPr lang="en-US" dirty="0" err="1"/>
-              <a:t>LangChain</a:t>
-            </a:r>
-            <a:r>
-              <a:rPr lang="en-US" dirty="0"/>
-              <a:t>, </a:t>
-            </a:r>
-            <a:r>
-              <a:rPr lang="en-US" dirty="0" err="1"/>
-              <a:t>OpenAIEmbedding</a:t>
-            </a:r>
-            <a:r>
-              <a:rPr lang="en-US" dirty="0"/>
-              <a:t>, FAISS &amp; Chroma</a:t>
+              <a:t>Creating Vector DB Code Snippets</a:t>
             </a:r>
           </a:p>
         </p:txBody>
@@ -17953,6 +18203,164 @@
           </a:p>
         </p:txBody>
       </p:sp>
+      <p:sp>
+        <p:nvSpPr>
+          <p:cNvPr id="3" name="TextBox 2">
+            <a:extLst>
+              <a:ext uri="{FF2B5EF4-FFF2-40B4-BE49-F238E27FC236}">
+                <a16:creationId xmlns:a16="http://schemas.microsoft.com/office/drawing/2014/main" id="{18371C49-C75F-04AF-2919-3FB18C07E274}"/>
+              </a:ext>
+            </a:extLst>
+          </p:cNvPr>
+          <p:cNvSpPr txBox="1"/>
+          <p:nvPr/>
+        </p:nvSpPr>
+        <p:spPr>
+          <a:xfrm>
+            <a:off x="460475" y="5992464"/>
+            <a:ext cx="5240281" cy="369332"/>
+          </a:xfrm>
+          <a:prstGeom prst="rect">
+            <a:avLst/>
+          </a:prstGeom>
+          <a:noFill/>
+        </p:spPr>
+        <p:txBody>
+          <a:bodyPr wrap="none" rtlCol="0">
+            <a:spAutoFit/>
+          </a:bodyPr>
+          <a:lstStyle/>
+          <a:p>
+            <a:r>
+              <a:rPr lang="en-US" dirty="0">
+                <a:solidFill>
+                  <a:srgbClr val="002060"/>
+                </a:solidFill>
+              </a:rPr>
+              <a:t>With </a:t>
+            </a:r>
+            <a:r>
+              <a:rPr lang="en-US" dirty="0" err="1">
+                <a:solidFill>
+                  <a:srgbClr val="002060"/>
+                </a:solidFill>
+              </a:rPr>
+              <a:t>LangChain</a:t>
+            </a:r>
+            <a:r>
+              <a:rPr lang="en-US" dirty="0">
+                <a:solidFill>
+                  <a:srgbClr val="002060"/>
+                </a:solidFill>
+              </a:rPr>
+              <a:t>, </a:t>
+            </a:r>
+            <a:r>
+              <a:rPr lang="en-US" dirty="0" err="1">
+                <a:solidFill>
+                  <a:srgbClr val="002060"/>
+                </a:solidFill>
+              </a:rPr>
+              <a:t>OpenAIEmbedding</a:t>
+            </a:r>
+            <a:r>
+              <a:rPr lang="en-US" dirty="0">
+                <a:solidFill>
+                  <a:srgbClr val="002060"/>
+                </a:solidFill>
+              </a:rPr>
+              <a:t>, &amp; </a:t>
+            </a:r>
+            <a:r>
+              <a:rPr lang="en-US" b="1" dirty="0">
+                <a:solidFill>
+                  <a:srgbClr val="002060"/>
+                </a:solidFill>
+              </a:rPr>
+              <a:t>Chroma</a:t>
+            </a:r>
+          </a:p>
+        </p:txBody>
+      </p:sp>
+      <p:sp>
+        <p:nvSpPr>
+          <p:cNvPr id="9" name="TextBox 8">
+            <a:extLst>
+              <a:ext uri="{FF2B5EF4-FFF2-40B4-BE49-F238E27FC236}">
+                <a16:creationId xmlns:a16="http://schemas.microsoft.com/office/drawing/2014/main" id="{08068A6B-6AEB-EA4E-7940-94665DA76DBC}"/>
+              </a:ext>
+            </a:extLst>
+          </p:cNvPr>
+          <p:cNvSpPr txBox="1"/>
+          <p:nvPr/>
+        </p:nvSpPr>
+        <p:spPr>
+          <a:xfrm>
+            <a:off x="6409702" y="5992464"/>
+            <a:ext cx="4989892" cy="369332"/>
+          </a:xfrm>
+          <a:prstGeom prst="rect">
+            <a:avLst/>
+          </a:prstGeom>
+          <a:noFill/>
+        </p:spPr>
+        <p:txBody>
+          <a:bodyPr wrap="none" rtlCol="0">
+            <a:spAutoFit/>
+          </a:bodyPr>
+          <a:lstStyle/>
+          <a:p>
+            <a:r>
+              <a:rPr lang="en-US" dirty="0">
+                <a:solidFill>
+                  <a:srgbClr val="002060"/>
+                </a:solidFill>
+              </a:rPr>
+              <a:t>With </a:t>
+            </a:r>
+            <a:r>
+              <a:rPr lang="en-US" dirty="0" err="1">
+                <a:solidFill>
+                  <a:srgbClr val="002060"/>
+                </a:solidFill>
+              </a:rPr>
+              <a:t>LangChain</a:t>
+            </a:r>
+            <a:r>
+              <a:rPr lang="en-US" dirty="0">
+                <a:solidFill>
+                  <a:srgbClr val="002060"/>
+                </a:solidFill>
+              </a:rPr>
+              <a:t>, </a:t>
+            </a:r>
+            <a:r>
+              <a:rPr lang="en-US" dirty="0" err="1">
+                <a:solidFill>
+                  <a:srgbClr val="002060"/>
+                </a:solidFill>
+              </a:rPr>
+              <a:t>OpenAIEmbedding</a:t>
+            </a:r>
+            <a:r>
+              <a:rPr lang="en-US" dirty="0">
+                <a:solidFill>
+                  <a:srgbClr val="002060"/>
+                </a:solidFill>
+              </a:rPr>
+              <a:t>, &amp; </a:t>
+            </a:r>
+            <a:r>
+              <a:rPr lang="en-US" b="1" dirty="0">
+                <a:solidFill>
+                  <a:srgbClr val="002060"/>
+                </a:solidFill>
+              </a:rPr>
+              <a:t>FAISS</a:t>
+            </a:r>
+          </a:p>
+        </p:txBody>
+      </p:sp>
     </p:spTree>
     <p:extLst>
       <p:ext uri="{BB962C8B-B14F-4D97-AF65-F5344CB8AC3E}">
@@ -18115,24 +18523,40 @@
           <a:bodyPr/>
           <a:lstStyle/>
           <a:p>
+            <a:pPr>
+              <a:buFont typeface="Arial" panose="020B0604020202020204" pitchFamily="34" charset="0"/>
+              <a:buChar char="•"/>
+            </a:pPr>
             <a:r>
               <a:rPr lang="en-US" dirty="0"/>
               <a:t> What are prompt and prompt engineering for LLMs?</a:t>
             </a:r>
           </a:p>
           <a:p>
+            <a:pPr>
+              <a:buFont typeface="Arial" panose="020B0604020202020204" pitchFamily="34" charset="0"/>
+              <a:buChar char="•"/>
+            </a:pPr>
             <a:r>
               <a:rPr lang="en-US" dirty="0"/>
               <a:t> Prompt components</a:t>
             </a:r>
           </a:p>
           <a:p>
+            <a:pPr>
+              <a:buFont typeface="Arial" panose="020B0604020202020204" pitchFamily="34" charset="0"/>
+              <a:buChar char="•"/>
+            </a:pPr>
             <a:r>
               <a:rPr lang="en-US" dirty="0"/>
               <a:t> Basic prompt engineering</a:t>
             </a:r>
           </a:p>
           <a:p>
+            <a:pPr>
+              <a:buFont typeface="Arial" panose="020B0604020202020204" pitchFamily="34" charset="0"/>
+              <a:buChar char="•"/>
+            </a:pPr>
             <a:r>
               <a:rPr lang="en-US" dirty="0"/>
               <a:t> Advanced prompt engineering</a:t>
@@ -18219,42 +18643,68 @@
           <a:bodyPr/>
           <a:lstStyle/>
           <a:p>
+            <a:pPr>
+              <a:buFont typeface="Arial" panose="020B0604020202020204" pitchFamily="34" charset="0"/>
+              <a:buChar char="•"/>
+            </a:pPr>
             <a:r>
               <a:rPr lang="en-US" dirty="0"/>
               <a:t> Prompts</a:t>
             </a:r>
           </a:p>
           <a:p>
-            <a:pPr lvl="1"/>
+            <a:pPr lvl="1">
+              <a:buFont typeface="Arial" panose="020B0604020202020204" pitchFamily="34" charset="0"/>
+              <a:buChar char="•"/>
+            </a:pPr>
             <a:r>
               <a:rPr lang="en-US" dirty="0"/>
               <a:t> Sets of instructions that are used to guide the LLMs in generating desired responses</a:t>
             </a:r>
           </a:p>
           <a:p>
-            <a:pPr lvl="1"/>
+            <a:pPr lvl="1">
+              <a:buFont typeface="Arial" panose="020B0604020202020204" pitchFamily="34" charset="0"/>
+              <a:buChar char="•"/>
+            </a:pPr>
             <a:endParaRPr lang="en-US" dirty="0"/>
           </a:p>
           <a:p>
-            <a:pPr lvl="1"/>
+            <a:pPr lvl="1">
+              <a:buFont typeface="Arial" panose="020B0604020202020204" pitchFamily="34" charset="0"/>
+              <a:buChar char="•"/>
+            </a:pPr>
             <a:endParaRPr lang="en-US" dirty="0"/>
           </a:p>
           <a:p>
-            <a:pPr lvl="1"/>
+            <a:pPr lvl="1">
+              <a:buFont typeface="Arial" panose="020B0604020202020204" pitchFamily="34" charset="0"/>
+              <a:buChar char="•"/>
+            </a:pPr>
             <a:endParaRPr lang="en-US" dirty="0"/>
           </a:p>
           <a:p>
-            <a:pPr lvl="1"/>
+            <a:pPr lvl="1">
+              <a:buFont typeface="Arial" panose="020B0604020202020204" pitchFamily="34" charset="0"/>
+              <a:buChar char="•"/>
+            </a:pPr>
             <a:endParaRPr lang="en-US" dirty="0"/>
           </a:p>
           <a:p>
+            <a:pPr>
+              <a:buFont typeface="Arial" panose="020B0604020202020204" pitchFamily="34" charset="0"/>
+              <a:buChar char="•"/>
+            </a:pPr>
             <a:r>
               <a:rPr lang="en-US" dirty="0"/>
               <a:t> Prompt Engineering</a:t>
             </a:r>
           </a:p>
           <a:p>
-            <a:pPr lvl="1"/>
+            <a:pPr lvl="1">
+              <a:buFont typeface="Arial" panose="020B0604020202020204" pitchFamily="34" charset="0"/>
+              <a:buChar char="•"/>
+            </a:pPr>
             <a:r>
               <a:rPr lang="en-US" dirty="0"/>
               <a:t>Different </a:t>
@@ -18277,7 +18727,10 @@
             </a:r>
           </a:p>
           <a:p>
-            <a:pPr lvl="1"/>
+            <a:pPr lvl="1">
+              <a:buFont typeface="Arial" panose="020B0604020202020204" pitchFamily="34" charset="0"/>
+              <a:buChar char="•"/>
+            </a:pPr>
             <a:endParaRPr lang="en-US" dirty="0"/>
           </a:p>
         </p:txBody>
@@ -18639,7 +19092,7 @@
           <a:p>
             <a:r>
               <a:rPr lang="en-US" dirty="0"/>
-              <a:t>Prompt components</a:t>
+              <a:t>Prompt Components</a:t>
             </a:r>
           </a:p>
         </p:txBody>
@@ -18667,6 +19120,10 @@
           </a:bodyPr>
           <a:lstStyle/>
           <a:p>
+            <a:pPr>
+              <a:buFont typeface="Arial" panose="020B0604020202020204" pitchFamily="34" charset="0"/>
+              <a:buChar char="•"/>
+            </a:pPr>
             <a:r>
               <a:rPr lang="en-US" dirty="0"/>
               <a:t> </a:t>
@@ -18677,27 +19134,40 @@
             </a:r>
           </a:p>
           <a:p>
-            <a:pPr lvl="1"/>
+            <a:pPr lvl="1">
+              <a:buFont typeface="Arial" panose="020B0604020202020204" pitchFamily="34" charset="0"/>
+              <a:buChar char="•"/>
+            </a:pPr>
             <a:r>
               <a:rPr lang="en-US" dirty="0"/>
               <a:t> Provides background information for the model to understand the user's request</a:t>
             </a:r>
           </a:p>
           <a:p>
-            <a:pPr lvl="1"/>
+            <a:pPr lvl="1">
+              <a:buFont typeface="Arial" panose="020B0604020202020204" pitchFamily="34" charset="0"/>
+              <a:buChar char="•"/>
+            </a:pPr>
             <a:r>
               <a:rPr lang="en-US" dirty="0"/>
               <a:t>Can be as simple as a single sentence of as complex as a paragraph or more.</a:t>
             </a:r>
           </a:p>
           <a:p>
+            <a:pPr>
+              <a:buFont typeface="Arial" panose="020B0604020202020204" pitchFamily="34" charset="0"/>
+              <a:buChar char="•"/>
+            </a:pPr>
             <a:r>
               <a:rPr lang="en-US" b="1" dirty="0"/>
               <a:t> Instruction</a:t>
             </a:r>
           </a:p>
           <a:p>
-            <a:pPr lvl="1"/>
+            <a:pPr lvl="1">
+              <a:buFont typeface="Arial" panose="020B0604020202020204" pitchFamily="34" charset="0"/>
+              <a:buChar char="•"/>
+            </a:pPr>
             <a:r>
               <a:rPr lang="en-US" dirty="0"/>
               <a:t> </a:t>
@@ -18734,13 +19204,20 @@
             </a:endParaRPr>
           </a:p>
           <a:p>
+            <a:pPr>
+              <a:buFont typeface="Arial" panose="020B0604020202020204" pitchFamily="34" charset="0"/>
+              <a:buChar char="•"/>
+            </a:pPr>
             <a:r>
               <a:rPr lang="en-US" b="1" dirty="0"/>
               <a:t>Optional parameters / constraints</a:t>
             </a:r>
           </a:p>
           <a:p>
-            <a:pPr lvl="1"/>
+            <a:pPr lvl="1">
+              <a:buFont typeface="Arial" panose="020B0604020202020204" pitchFamily="34" charset="0"/>
+              <a:buChar char="•"/>
+            </a:pPr>
             <a:r>
               <a:rPr lang="en-US" dirty="0"/>
               <a:t>E.g., desired format (</a:t>
@@ -18763,6 +19240,10 @@
             </a:r>
           </a:p>
           <a:p>
+            <a:pPr>
+              <a:buFont typeface="Arial" panose="020B0604020202020204" pitchFamily="34" charset="0"/>
+              <a:buChar char="•"/>
+            </a:pPr>
             <a:r>
               <a:rPr lang="en-US" dirty="0"/>
               <a:t> </a:t>
@@ -18773,7 +19254,10 @@
             </a:r>
           </a:p>
           <a:p>
-            <a:pPr lvl="1"/>
+            <a:pPr lvl="1">
+              <a:buFont typeface="Arial" panose="020B0604020202020204" pitchFamily="34" charset="0"/>
+              <a:buChar char="•"/>
+            </a:pPr>
             <a:r>
               <a:rPr kumimoji="0" lang="en-US" sz="2400" b="0" i="0" u="none" strike="noStrike" kern="0" cap="none" spc="0" normalizeH="0" baseline="0" noProof="0" dirty="0">
                 <a:ln>
@@ -18788,6 +19272,10 @@
             <a:endParaRPr lang="en-US" dirty="0"/>
           </a:p>
           <a:p>
+            <a:pPr>
+              <a:buFont typeface="Arial" panose="020B0604020202020204" pitchFamily="34" charset="0"/>
+              <a:buChar char="•"/>
+            </a:pPr>
             <a:endParaRPr lang="en-US" dirty="0"/>
           </a:p>
         </p:txBody>
@@ -18845,7 +19333,7 @@
           <a:p>
             <a:r>
               <a:rPr lang="en-US" dirty="0"/>
-              <a:t>Prompt example</a:t>
+              <a:t>Prompt Example</a:t>
             </a:r>
           </a:p>
         </p:txBody>
@@ -19782,7 +20270,7 @@
           <a:p>
             <a:r>
               <a:rPr lang="en-US" dirty="0"/>
-              <a:t>Basic prompt engineering</a:t>
+              <a:t>Basic Prompt Engineering</a:t>
             </a:r>
           </a:p>
         </p:txBody>
@@ -19810,65 +20298,100 @@
           </a:bodyPr>
           <a:lstStyle/>
           <a:p>
+            <a:pPr>
+              <a:buFont typeface="Arial" panose="020B0604020202020204" pitchFamily="34" charset="0"/>
+              <a:buChar char="•"/>
+            </a:pPr>
             <a:r>
               <a:rPr lang="en-US" dirty="0"/>
               <a:t> Use delimiters: </a:t>
             </a:r>
           </a:p>
           <a:p>
-            <a:pPr lvl="1"/>
+            <a:pPr lvl="1">
+              <a:buFont typeface="Arial" panose="020B0604020202020204" pitchFamily="34" charset="0"/>
+              <a:buChar char="•"/>
+            </a:pPr>
             <a:r>
               <a:rPr lang="en-US" dirty="0"/>
               <a:t>Mark the beginning and end of instructions, e.g. triple quotes """ """, triple backtick ``` ```, etc. </a:t>
             </a:r>
           </a:p>
           <a:p>
+            <a:pPr>
+              <a:buFont typeface="Arial" panose="020B0604020202020204" pitchFamily="34" charset="0"/>
+              <a:buChar char="•"/>
+            </a:pPr>
             <a:r>
               <a:rPr lang="en-US" dirty="0"/>
               <a:t> Specific structured output: </a:t>
             </a:r>
           </a:p>
           <a:p>
-            <a:pPr lvl="1"/>
+            <a:pPr lvl="1">
+              <a:buFont typeface="Arial" panose="020B0604020202020204" pitchFamily="34" charset="0"/>
+              <a:buChar char="•"/>
+            </a:pPr>
             <a:r>
               <a:rPr lang="en-US" dirty="0"/>
               <a:t>JSON, HTML, etc.</a:t>
             </a:r>
           </a:p>
           <a:p>
+            <a:pPr>
+              <a:buFont typeface="Arial" panose="020B0604020202020204" pitchFamily="34" charset="0"/>
+              <a:buChar char="•"/>
+            </a:pPr>
             <a:r>
               <a:rPr lang="en-US" dirty="0"/>
               <a:t> Provide contextual instructions</a:t>
             </a:r>
           </a:p>
           <a:p>
-            <a:pPr lvl="1"/>
+            <a:pPr lvl="1">
+              <a:buFont typeface="Arial" panose="020B0604020202020204" pitchFamily="34" charset="0"/>
+              <a:buChar char="•"/>
+            </a:pPr>
             <a:r>
               <a:rPr lang="en-US" dirty="0"/>
               <a:t>context, assumption, condition</a:t>
             </a:r>
           </a:p>
           <a:p>
+            <a:pPr>
+              <a:buFont typeface="Arial" panose="020B0604020202020204" pitchFamily="34" charset="0"/>
+              <a:buChar char="•"/>
+            </a:pPr>
             <a:r>
               <a:rPr lang="en-US" dirty="0"/>
               <a:t> Give examples: </a:t>
             </a:r>
           </a:p>
           <a:p>
-            <a:pPr lvl="1"/>
+            <a:pPr lvl="1">
+              <a:buFont typeface="Arial" panose="020B0604020202020204" pitchFamily="34" charset="0"/>
+              <a:buChar char="•"/>
+            </a:pPr>
             <a:r>
               <a:rPr lang="en-US" dirty="0"/>
               <a:t>One shot or few-shot prompting</a:t>
             </a:r>
           </a:p>
           <a:p>
+            <a:pPr>
+              <a:buFont typeface="Arial" panose="020B0604020202020204" pitchFamily="34" charset="0"/>
+              <a:buChar char="•"/>
+            </a:pPr>
             <a:r>
               <a:rPr lang="en-US" dirty="0"/>
               <a:t> Role</a:t>
             </a:r>
           </a:p>
           <a:p>
-            <a:pPr lvl="1"/>
+            <a:pPr lvl="1">
+              <a:buFont typeface="Arial" panose="020B0604020202020204" pitchFamily="34" charset="0"/>
+              <a:buChar char="•"/>
+            </a:pPr>
             <a:r>
               <a:rPr lang="en-US" dirty="0"/>
               <a:t> Assign a role</a:t>
@@ -19968,7 +20491,7 @@
           <a:p>
             <a:r>
               <a:rPr lang="en-US" dirty="0"/>
-              <a:t>Use delimiter</a:t>
+              <a:t>Use Delimiter</a:t>
             </a:r>
           </a:p>
         </p:txBody>
@@ -20037,7 +20560,7 @@
             <a:r>
               <a:rPr lang="en-US" dirty="0" err="1">
                 <a:solidFill>
-                  <a:schemeClr val="tx1"/>
+                  <a:srgbClr val="002060"/>
                 </a:solidFill>
               </a:rPr>
               <a:t>prompt_template</a:t>
@@ -20045,7 +20568,7 @@
             <a:r>
               <a:rPr lang="en-US" dirty="0">
                 <a:solidFill>
-                  <a:schemeClr val="tx1"/>
+                  <a:srgbClr val="002060"/>
                 </a:solidFill>
               </a:rPr>
               <a:t> </a:t>
@@ -20174,7 +20697,7 @@
           <a:p>
             <a:r>
               <a:rPr lang="en-US" dirty="0"/>
-              <a:t>Giving specific instructions</a:t>
+              <a:t>Giving Specific Instructions</a:t>
             </a:r>
           </a:p>
         </p:txBody>
@@ -20701,7 +21224,7 @@
                   <a:noFill/>
                 </a:ln>
                 <a:solidFill>
-                  <a:srgbClr val="374151"/>
+                  <a:srgbClr val="002060"/>
                 </a:solidFill>
                 <a:effectLst/>
                 <a:uLnTx/>
@@ -20783,7 +21306,7 @@
                   <a:noFill/>
                 </a:ln>
                 <a:solidFill>
-                  <a:srgbClr val="374151"/>
+                  <a:srgbClr val="002060"/>
                 </a:solidFill>
                 <a:effectLst/>
                 <a:uLnTx/>
@@ -21046,7 +21569,7 @@
           <a:p>
             <a:r>
               <a:rPr lang="en-US" dirty="0"/>
-              <a:t>Backend for LLM-based applications</a:t>
+              <a:t>Backend Components for LLM-based Applications</a:t>
             </a:r>
           </a:p>
         </p:txBody>
@@ -21074,13 +21597,24 @@
           </a:bodyPr>
           <a:lstStyle/>
           <a:p>
+            <a:pPr>
+              <a:buFont typeface="Arial" panose="020B0604020202020204" pitchFamily="34" charset="0"/>
+              <a:buChar char="•"/>
+            </a:pPr>
             <a:r>
               <a:rPr lang="en-US" b="1" dirty="0"/>
-              <a:t> LLM's orchestration frameworks </a:t>
-            </a:r>
-          </a:p>
-          <a:p>
-            <a:pPr lvl="1"/>
+              <a:t> LLM orchestration frameworks </a:t>
+            </a:r>
+          </a:p>
+          <a:p>
+            <a:pPr lvl="1">
+              <a:buFont typeface="Arial" panose="020B0604020202020204" pitchFamily="34" charset="0"/>
+              <a:buChar char="•"/>
+            </a:pPr>
+            <a:r>
+              <a:rPr lang="en-US" b="1" dirty="0"/>
+              <a:t> </a:t>
+            </a:r>
             <a:r>
               <a:rPr lang="en-US" b="1" dirty="0" err="1"/>
               <a:t>LangChain</a:t>
@@ -21091,7 +21625,14 @@
             </a:r>
           </a:p>
           <a:p>
-            <a:pPr lvl="1"/>
+            <a:pPr lvl="1">
+              <a:buFont typeface="Arial" panose="020B0604020202020204" pitchFamily="34" charset="0"/>
+              <a:buChar char="•"/>
+            </a:pPr>
+            <a:r>
+              <a:rPr lang="en-US" b="1" dirty="0"/>
+              <a:t> </a:t>
+            </a:r>
             <a:r>
               <a:rPr lang="en-US" b="1" dirty="0" err="1"/>
               <a:t>LlamaIndex</a:t>
@@ -21099,38 +21640,60 @@
             <a:endParaRPr lang="en-US" b="1" dirty="0"/>
           </a:p>
           <a:p>
+            <a:pPr>
+              <a:buFont typeface="Arial" panose="020B0604020202020204" pitchFamily="34" charset="0"/>
+              <a:buChar char="•"/>
+            </a:pPr>
             <a:r>
               <a:rPr lang="en-US" b="1" dirty="0"/>
-              <a:t> Open-source vs Proprietary LLM</a:t>
-            </a:r>
-          </a:p>
-          <a:p>
-            <a:pPr lvl="1"/>
+              <a:t> Open-source vs proprietary LLM</a:t>
+            </a:r>
+          </a:p>
+          <a:p>
+            <a:pPr lvl="1">
+              <a:buFont typeface="Arial" panose="020B0604020202020204" pitchFamily="34" charset="0"/>
+              <a:buChar char="•"/>
+            </a:pPr>
             <a:r>
               <a:rPr lang="en-US" b="1" dirty="0"/>
               <a:t> A quick comparation</a:t>
             </a:r>
           </a:p>
           <a:p>
-            <a:pPr lvl="1"/>
+            <a:pPr lvl="1">
+              <a:buFont typeface="Arial" panose="020B0604020202020204" pitchFamily="34" charset="0"/>
+              <a:buChar char="•"/>
+            </a:pPr>
             <a:r>
               <a:rPr lang="en-US" b="1" dirty="0"/>
               <a:t> Usage examples </a:t>
             </a:r>
           </a:p>
           <a:p>
+            <a:pPr>
+              <a:buFont typeface="Arial" panose="020B0604020202020204" pitchFamily="34" charset="0"/>
+              <a:buChar char="•"/>
+            </a:pPr>
             <a:r>
               <a:rPr lang="en-US" b="1" dirty="0"/>
               <a:t> Vector Embedding</a:t>
             </a:r>
           </a:p>
           <a:p>
+            <a:pPr>
+              <a:buFont typeface="Arial" panose="020B0604020202020204" pitchFamily="34" charset="0"/>
+              <a:buChar char="•"/>
+            </a:pPr>
             <a:r>
               <a:rPr lang="en-US" b="1" dirty="0"/>
               <a:t> Vector database</a:t>
             </a:r>
           </a:p>
           <a:p>
+            <a:pPr>
+              <a:buFont typeface="Arial" panose="020B0604020202020204" pitchFamily="34" charset="0"/>
+              <a:buChar char="•"/>
+            </a:pPr>
             <a:r>
               <a:rPr lang="en-US" b="1" dirty="0"/>
               <a:t> Prompt Engineering</a:t>
@@ -21770,7 +22333,7 @@
           <a:p>
             <a:r>
               <a:rPr lang="en-US" dirty="0"/>
-              <a:t>Structured output</a:t>
+              <a:t>Structured Output</a:t>
             </a:r>
           </a:p>
         </p:txBody>
@@ -22127,7 +22690,7 @@
                   <a:noFill/>
                 </a:ln>
                 <a:solidFill>
-                  <a:srgbClr val="374151"/>
+                  <a:srgbClr val="002060"/>
                 </a:solidFill>
                 <a:effectLst/>
                 <a:uLnTx/>
@@ -22163,7 +22726,7 @@
                   <a:noFill/>
                 </a:ln>
                 <a:solidFill>
-                  <a:srgbClr val="374151"/>
+                  <a:srgbClr val="002060"/>
                 </a:solidFill>
                 <a:effectLst/>
                 <a:uLnTx/>
@@ -22245,7 +22808,7 @@
                   <a:noFill/>
                 </a:ln>
                 <a:solidFill>
-                  <a:srgbClr val="374151"/>
+                  <a:srgbClr val="002060"/>
                 </a:solidFill>
                 <a:effectLst/>
                 <a:uLnTx/>
@@ -22281,7 +22844,7 @@
                   <a:noFill/>
                 </a:ln>
                 <a:solidFill>
-                  <a:srgbClr val="374151"/>
+                  <a:srgbClr val="002060"/>
                 </a:solidFill>
                 <a:effectLst/>
                 <a:uLnTx/>
@@ -22317,7 +22880,7 @@
                   <a:noFill/>
                 </a:ln>
                 <a:solidFill>
-                  <a:srgbClr val="374151"/>
+                  <a:srgbClr val="002060"/>
                 </a:solidFill>
                 <a:effectLst/>
                 <a:uLnTx/>
@@ -22334,7 +22897,7 @@
                   <a:noFill/>
                 </a:ln>
                 <a:solidFill>
-                  <a:srgbClr val="374151"/>
+                  <a:srgbClr val="002060"/>
                 </a:solidFill>
                 <a:effectLst/>
                 <a:uLnTx/>
@@ -22351,7 +22914,7 @@
                   <a:noFill/>
                 </a:ln>
                 <a:solidFill>
-                  <a:srgbClr val="374151"/>
+                  <a:srgbClr val="002060"/>
                 </a:solidFill>
                 <a:effectLst/>
                 <a:uLnTx/>
@@ -22387,7 +22950,7 @@
                   <a:noFill/>
                 </a:ln>
                 <a:solidFill>
-                  <a:srgbClr val="374151"/>
+                  <a:srgbClr val="002060"/>
                 </a:solidFill>
                 <a:effectLst/>
                 <a:uLnTx/>
@@ -22650,7 +23213,7 @@
           <a:p>
             <a:r>
               <a:rPr lang="en-US" dirty="0"/>
-              <a:t>Few-shot prompting</a:t>
+              <a:t>Few-shot Prompting</a:t>
             </a:r>
           </a:p>
         </p:txBody>
@@ -22745,7 +23308,7 @@
           <a:p>
             <a:r>
               <a:rPr lang="en-US" dirty="0"/>
-              <a:t>Role prompting</a:t>
+              <a:t>Role Prompting</a:t>
             </a:r>
           </a:p>
         </p:txBody>
@@ -23533,7 +24096,7 @@
           <a:p>
             <a:r>
               <a:rPr lang="en-US" dirty="0"/>
-              <a:t>Advanced prompt engineering</a:t>
+              <a:t>Advanced Prompt Engineering</a:t>
             </a:r>
           </a:p>
         </p:txBody>
@@ -23566,6 +24129,10 @@
           </a:bodyPr>
           <a:lstStyle/>
           <a:p>
+            <a:pPr>
+              <a:buFont typeface="Arial" panose="020B0604020202020204" pitchFamily="34" charset="0"/>
+              <a:buChar char="•"/>
+            </a:pPr>
             <a:r>
               <a:rPr lang="en-US" dirty="0"/>
               <a:t> </a:t>
@@ -23584,27 +24151,40 @@
             </a:r>
           </a:p>
           <a:p>
-            <a:pPr lvl="1"/>
+            <a:pPr lvl="1">
+              <a:buFont typeface="Arial" panose="020B0604020202020204" pitchFamily="34" charset="0"/>
+              <a:buChar char="•"/>
+            </a:pPr>
             <a:r>
               <a:rPr lang="en-US" dirty="0"/>
               <a:t> Providing intermediate reasoning steps to guide the model's responses</a:t>
             </a:r>
           </a:p>
           <a:p>
-            <a:pPr lvl="2"/>
+            <a:pPr lvl="2">
+              <a:buFont typeface="Arial" panose="020B0604020202020204" pitchFamily="34" charset="0"/>
+              <a:buChar char="•"/>
+            </a:pPr>
             <a:r>
               <a:rPr lang="en-US" dirty="0"/>
               <a:t> "Let's think step by step"</a:t>
             </a:r>
           </a:p>
           <a:p>
-            <a:pPr lvl="2"/>
+            <a:pPr lvl="2">
+              <a:buFont typeface="Arial" panose="020B0604020202020204" pitchFamily="34" charset="0"/>
+              <a:buChar char="•"/>
+            </a:pPr>
             <a:r>
               <a:rPr lang="en-US" dirty="0"/>
               <a:t> A series of manual demonstrations, each composed of a question and a reasoning chain that leads to an answer</a:t>
             </a:r>
           </a:p>
           <a:p>
+            <a:pPr>
+              <a:buFont typeface="Arial" panose="020B0604020202020204" pitchFamily="34" charset="0"/>
+              <a:buChar char="•"/>
+            </a:pPr>
             <a:r>
               <a:rPr lang="en-US" dirty="0"/>
               <a:t> </a:t>
@@ -23615,20 +24195,30 @@
             </a:r>
           </a:p>
           <a:p>
-            <a:pPr lvl="1"/>
+            <a:pPr lvl="1">
+              <a:buFont typeface="Arial" panose="020B0604020202020204" pitchFamily="34" charset="0"/>
+              <a:buChar char="•"/>
+            </a:pPr>
             <a:r>
               <a:rPr lang="en-US" dirty="0"/>
               <a:t> Incorporating up-to-date external knowledge into the model's input</a:t>
             </a:r>
           </a:p>
           <a:p>
-            <a:pPr lvl="1"/>
+            <a:pPr lvl="1">
+              <a:buFont typeface="Arial" panose="020B0604020202020204" pitchFamily="34" charset="0"/>
+              <a:buChar char="•"/>
+            </a:pPr>
             <a:r>
               <a:rPr lang="en-US" dirty="0"/>
               <a:t> Reduce hallucinations</a:t>
             </a:r>
           </a:p>
           <a:p>
+            <a:pPr>
+              <a:buFont typeface="Arial" panose="020B0604020202020204" pitchFamily="34" charset="0"/>
+              <a:buChar char="•"/>
+            </a:pPr>
             <a:r>
               <a:rPr lang="en-US" dirty="0"/>
               <a:t> </a:t>
@@ -23639,35 +24229,50 @@
             </a:r>
           </a:p>
           <a:p>
-            <a:pPr lvl="1"/>
+            <a:pPr lvl="1">
+              <a:buFont typeface="Arial" panose="020B0604020202020204" pitchFamily="34" charset="0"/>
+              <a:buChar char="•"/>
+            </a:pPr>
             <a:r>
               <a:rPr lang="en-US" dirty="0"/>
               <a:t> Self-consistency</a:t>
             </a:r>
           </a:p>
           <a:p>
-            <a:pPr lvl="1"/>
+            <a:pPr lvl="1">
+              <a:buFont typeface="Arial" panose="020B0604020202020204" pitchFamily="34" charset="0"/>
+              <a:buChar char="•"/>
+            </a:pPr>
             <a:r>
               <a:rPr lang="en-US" dirty="0"/>
               <a:t> Generated knowledge</a:t>
             </a:r>
           </a:p>
           <a:p>
-            <a:pPr lvl="1"/>
+            <a:pPr lvl="1">
+              <a:buFont typeface="Arial" panose="020B0604020202020204" pitchFamily="34" charset="0"/>
+              <a:buChar char="•"/>
+            </a:pPr>
             <a:r>
               <a:rPr lang="en-US" dirty="0"/>
               <a:t> Least-to-most prompting</a:t>
             </a:r>
           </a:p>
           <a:p>
-            <a:pPr lvl="1"/>
+            <a:pPr lvl="1">
+              <a:buFont typeface="Arial" panose="020B0604020202020204" pitchFamily="34" charset="0"/>
+              <a:buChar char="•"/>
+            </a:pPr>
             <a:r>
               <a:rPr lang="en-US" dirty="0"/>
               <a:t> Tree of thoughts</a:t>
             </a:r>
           </a:p>
           <a:p>
-            <a:pPr lvl="1"/>
+            <a:pPr lvl="1">
+              <a:buFont typeface="Arial" panose="020B0604020202020204" pitchFamily="34" charset="0"/>
+              <a:buChar char="•"/>
+            </a:pPr>
             <a:r>
               <a:rPr lang="en-US" dirty="0"/>
               <a:t> Graph of </a:t>
@@ -23679,6 +24284,10 @@
             <a:endParaRPr lang="en-US" dirty="0"/>
           </a:p>
           <a:p>
+            <a:pPr>
+              <a:buFont typeface="Arial" panose="020B0604020202020204" pitchFamily="34" charset="0"/>
+              <a:buChar char="•"/>
+            </a:pPr>
             <a:endParaRPr lang="en-US" dirty="0"/>
           </a:p>
         </p:txBody>
@@ -23736,7 +24345,7 @@
           <a:p>
             <a:r>
               <a:rPr lang="en-US" dirty="0"/>
-              <a:t>RAG prompting</a:t>
+              <a:t>RAG Prompting</a:t>
             </a:r>
           </a:p>
         </p:txBody>
@@ -23809,7 +24418,7 @@
                   <a:noFill/>
                 </a:ln>
                 <a:solidFill>
-                  <a:prstClr val="black"/>
+                  <a:srgbClr val="002060"/>
                 </a:solidFill>
                 <a:effectLst/>
                 <a:uLnTx/>
@@ -23826,7 +24435,7 @@
                   <a:noFill/>
                 </a:ln>
                 <a:solidFill>
-                  <a:prstClr val="black"/>
+                  <a:srgbClr val="002060"/>
                 </a:solidFill>
                 <a:effectLst/>
                 <a:uLnTx/>
@@ -24194,7 +24803,7 @@
           <a:p>
             <a:r>
               <a:rPr lang="en-US" dirty="0"/>
-              <a:t>Frontend frameworks for LLM-based applications</a:t>
+              <a:t>Frontend Frameworks for LLM-based Applications</a:t>
             </a:r>
           </a:p>
         </p:txBody>
@@ -24277,7 +24886,7 @@
           <a:p>
             <a:r>
               <a:rPr lang="en-US" dirty="0"/>
-              <a:t>Frontend frameworks</a:t>
+              <a:t>Frontend Frameworks</a:t>
             </a:r>
           </a:p>
         </p:txBody>
@@ -24303,34 +24912,50 @@
           <a:bodyPr/>
           <a:lstStyle/>
           <a:p>
+            <a:pPr>
+              <a:buFont typeface="Arial" panose="020B0604020202020204" pitchFamily="34" charset="0"/>
+              <a:buChar char="•"/>
+            </a:pPr>
             <a:r>
               <a:rPr lang="en-US" dirty="0"/>
               <a:t>For web applications </a:t>
             </a:r>
           </a:p>
           <a:p>
-            <a:pPr lvl="1"/>
+            <a:pPr lvl="1">
+              <a:buFont typeface="Arial" panose="020B0604020202020204" pitchFamily="34" charset="0"/>
+              <a:buChar char="•"/>
+            </a:pPr>
             <a:r>
               <a:rPr lang="en-US" dirty="0"/>
               <a:t>with JavaScript </a:t>
             </a:r>
           </a:p>
           <a:p>
-            <a:pPr lvl="2"/>
+            <a:pPr lvl="2">
+              <a:buFont typeface="Arial" panose="020B0604020202020204" pitchFamily="34" charset="0"/>
+              <a:buChar char="•"/>
+            </a:pPr>
             <a:r>
               <a:rPr lang="en-US" dirty="0"/>
               <a:t>React, Vue.js, …</a:t>
             </a:r>
           </a:p>
           <a:p>
-            <a:pPr lvl="1"/>
+            <a:pPr lvl="1">
+              <a:buFont typeface="Arial" panose="020B0604020202020204" pitchFamily="34" charset="0"/>
+              <a:buChar char="•"/>
+            </a:pPr>
             <a:r>
               <a:rPr lang="en-US" dirty="0"/>
               <a:t>with Python</a:t>
             </a:r>
           </a:p>
           <a:p>
-            <a:pPr lvl="2"/>
+            <a:pPr lvl="2">
+              <a:buFont typeface="Arial" panose="020B0604020202020204" pitchFamily="34" charset="0"/>
+              <a:buChar char="•"/>
+            </a:pPr>
             <a:r>
               <a:rPr lang="en-US" dirty="0" err="1"/>
               <a:t>Streamlit</a:t>
@@ -24338,7 +24963,10 @@
             <a:endParaRPr lang="en-US" dirty="0"/>
           </a:p>
           <a:p>
-            <a:pPr lvl="2"/>
+            <a:pPr lvl="2">
+              <a:buFont typeface="Arial" panose="020B0604020202020204" pitchFamily="34" charset="0"/>
+              <a:buChar char="•"/>
+            </a:pPr>
             <a:r>
               <a:rPr lang="en-US" dirty="0" err="1"/>
               <a:t>Gradio</a:t>
@@ -24663,7 +25291,7 @@
             </a:r>
             <a:r>
               <a:rPr lang="en-US" dirty="0"/>
-              <a:t> components</a:t>
+              <a:t> Components</a:t>
             </a:r>
           </a:p>
         </p:txBody>
@@ -24751,7 +25379,7 @@
           <a:p>
             <a:r>
               <a:rPr lang="en-US" dirty="0"/>
-              <a:t>LLM orchestration frameworks</a:t>
+              <a:t>LLM Orchestration Frameworks</a:t>
             </a:r>
           </a:p>
         </p:txBody>
@@ -24777,6 +25405,10 @@
           <a:bodyPr/>
           <a:lstStyle/>
           <a:p>
+            <a:pPr>
+              <a:buFont typeface="Arial" panose="020B0604020202020204" pitchFamily="34" charset="0"/>
+              <a:buChar char="•"/>
+            </a:pPr>
             <a:r>
               <a:rPr lang="en-US" dirty="0"/>
               <a:t> </a:t>
@@ -24788,6 +25420,10 @@
             <a:endParaRPr lang="en-US" dirty="0"/>
           </a:p>
           <a:p>
+            <a:pPr>
+              <a:buFont typeface="Arial" panose="020B0604020202020204" pitchFamily="34" charset="0"/>
+              <a:buChar char="•"/>
+            </a:pPr>
             <a:r>
               <a:rPr lang="en-US" dirty="0"/>
               <a:t> </a:t>
@@ -27024,7 +27660,7 @@
           <a:p>
             <a:r>
               <a:rPr lang="en-US" dirty="0"/>
-              <a:t>Some simple demos with </a:t>
+              <a:t>Some Simple Demos with </a:t>
             </a:r>
             <a:r>
               <a:rPr lang="en-US" dirty="0" err="1"/>
@@ -29386,7 +30022,7 @@
           <a:p>
             <a:r>
               <a:rPr lang="en-US" dirty="0"/>
-              <a:t>Textbox, Markdown blocks</a:t>
+              <a:t>Textbox, Markdown Blocks</a:t>
             </a:r>
           </a:p>
         </p:txBody>
@@ -30368,7 +31004,7 @@
           <a:p>
             <a:r>
               <a:rPr lang="en-US" dirty="0"/>
-              <a:t>Textbox blocks for multi-inputs as texts</a:t>
+              <a:t>Textbox Blocks for Multi-Inputs as Texts</a:t>
             </a:r>
           </a:p>
         </p:txBody>
@@ -31769,7 +32405,7 @@
           <a:p>
             <a:r>
               <a:rPr lang="en-US" dirty="0"/>
-              <a:t>Textbox block for displaying responses</a:t>
+              <a:t>Textbox Block for Displaying Responses</a:t>
             </a:r>
           </a:p>
         </p:txBody>
@@ -32331,7 +32967,7 @@
           <a:p>
             <a:r>
               <a:rPr lang="en-US" dirty="0"/>
-              <a:t>Upload block</a:t>
+              <a:t>Upload Block</a:t>
             </a:r>
           </a:p>
         </p:txBody>
@@ -32885,7 +33521,7 @@
           <a:p>
             <a:r>
               <a:rPr lang="en-US" dirty="0"/>
-              <a:t>Interface block</a:t>
+              <a:t>Interface Block</a:t>
             </a:r>
           </a:p>
         </p:txBody>
@@ -33870,7 +34506,7 @@
           <a:p>
             <a:r>
               <a:rPr lang="en-US" dirty="0"/>
-              <a:t>Chat Interface block</a:t>
+              <a:t>Chat Interface Block</a:t>
             </a:r>
           </a:p>
         </p:txBody>
@@ -34234,7 +34870,7 @@
           <p:cNvPr id="2" name="Title 1">
             <a:extLst>
               <a:ext uri="{FF2B5EF4-FFF2-40B4-BE49-F238E27FC236}">
-                <a16:creationId xmlns:a16="http://schemas.microsoft.com/office/drawing/2014/main" id="{3DB25277-0508-B770-D5BD-0219953BF47F}"/>
+                <a16:creationId xmlns:a16="http://schemas.microsoft.com/office/drawing/2014/main" id="{F40273E6-40EA-9DBD-EEF2-3EC53E1E2E61}"/>
               </a:ext>
             </a:extLst>
           </p:cNvPr>
@@ -34252,6 +34888,89 @@
           <a:p>
             <a:r>
               <a:rPr lang="en-US" dirty="0"/>
+              <a:t>What We Have Learned</a:t>
+            </a:r>
+          </a:p>
+        </p:txBody>
+      </p:sp>
+      <p:sp>
+        <p:nvSpPr>
+          <p:cNvPr id="3" name="Text Placeholder 2">
+            <a:extLst>
+              <a:ext uri="{FF2B5EF4-FFF2-40B4-BE49-F238E27FC236}">
+                <a16:creationId xmlns:a16="http://schemas.microsoft.com/office/drawing/2014/main" id="{96FB8E98-53E9-D5FE-F259-A7383D1256BE}"/>
+              </a:ext>
+            </a:extLst>
+          </p:cNvPr>
+          <p:cNvSpPr>
+            <a:spLocks noGrp="1"/>
+          </p:cNvSpPr>
+          <p:nvPr>
+            <p:ph type="body" idx="1"/>
+          </p:nvPr>
+        </p:nvSpPr>
+        <p:spPr/>
+        <p:txBody>
+          <a:bodyPr/>
+          <a:lstStyle/>
+          <a:p>
+            <a:endParaRPr lang="en-US"/>
+          </a:p>
+        </p:txBody>
+      </p:sp>
+    </p:spTree>
+    <p:extLst>
+      <p:ext uri="{BB962C8B-B14F-4D97-AF65-F5344CB8AC3E}">
+        <p14:creationId xmlns:p14="http://schemas.microsoft.com/office/powerpoint/2010/main" val="1356764813"/>
+      </p:ext>
+    </p:extLst>
+  </p:cSld>
+  <p:clrMapOvr>
+    <a:masterClrMapping/>
+  </p:clrMapOvr>
+</p:sld>
+</file>
+
+<file path=ppt/slides/slide66.xml><?xml version="1.0" encoding="utf-8"?>
+<p:sld xmlns:a="http://schemas.openxmlformats.org/drawingml/2006/main" xmlns:r="http://schemas.openxmlformats.org/officeDocument/2006/relationships" xmlns:p="http://schemas.openxmlformats.org/presentationml/2006/main">
+  <p:cSld>
+    <p:spTree>
+      <p:nvGrpSpPr>
+        <p:cNvPr id="1" name=""/>
+        <p:cNvGrpSpPr/>
+        <p:nvPr/>
+      </p:nvGrpSpPr>
+      <p:grpSpPr>
+        <a:xfrm>
+          <a:off x="0" y="0"/>
+          <a:ext cx="0" cy="0"/>
+          <a:chOff x="0" y="0"/>
+          <a:chExt cx="0" cy="0"/>
+        </a:xfrm>
+      </p:grpSpPr>
+      <p:sp>
+        <p:nvSpPr>
+          <p:cNvPr id="2" name="Title 1">
+            <a:extLst>
+              <a:ext uri="{FF2B5EF4-FFF2-40B4-BE49-F238E27FC236}">
+                <a16:creationId xmlns:a16="http://schemas.microsoft.com/office/drawing/2014/main" id="{3DB25277-0508-B770-D5BD-0219953BF47F}"/>
+              </a:ext>
+            </a:extLst>
+          </p:cNvPr>
+          <p:cNvSpPr>
+            <a:spLocks noGrp="1"/>
+          </p:cNvSpPr>
+          <p:nvPr>
+            <p:ph type="title"/>
+          </p:nvPr>
+        </p:nvSpPr>
+        <p:spPr/>
+        <p:txBody>
+          <a:bodyPr/>
+          <a:lstStyle/>
+          <a:p>
+            <a:r>
+              <a:rPr lang="en-US" dirty="0"/>
               <a:t>In summary</a:t>
             </a:r>
           </a:p>
@@ -34278,13 +34997,20 @@
           <a:bodyPr/>
           <a:lstStyle/>
           <a:p>
+            <a:pPr>
+              <a:buFont typeface="Arial" panose="020B0604020202020204" pitchFamily="34" charset="0"/>
+              <a:buChar char="•"/>
+            </a:pPr>
             <a:r>
               <a:rPr lang="en-US" dirty="0"/>
               <a:t> Introduced to components to build LLM-based web applications</a:t>
             </a:r>
           </a:p>
           <a:p>
-            <a:pPr lvl="1"/>
+            <a:pPr lvl="1">
+              <a:buFont typeface="Arial" panose="020B0604020202020204" pitchFamily="34" charset="0"/>
+              <a:buChar char="•"/>
+            </a:pPr>
             <a:r>
               <a:rPr lang="en-US" dirty="0"/>
               <a:t> LLM orchestration frameworks: </a:t>
@@ -34304,35 +35030,50 @@
             <a:endParaRPr lang="en-US" dirty="0"/>
           </a:p>
           <a:p>
-            <a:pPr lvl="1"/>
+            <a:pPr lvl="1">
+              <a:buFont typeface="Arial" panose="020B0604020202020204" pitchFamily="34" charset="0"/>
+              <a:buChar char="•"/>
+            </a:pPr>
             <a:r>
               <a:rPr lang="en-US" dirty="0"/>
               <a:t> Open-source vs proprietary LLMs</a:t>
             </a:r>
           </a:p>
           <a:p>
-            <a:pPr lvl="1"/>
+            <a:pPr lvl="1">
+              <a:buFont typeface="Arial" panose="020B0604020202020204" pitchFamily="34" charset="0"/>
+              <a:buChar char="•"/>
+            </a:pPr>
             <a:r>
               <a:rPr lang="en-US" dirty="0"/>
               <a:t> Vector Embedding</a:t>
             </a:r>
           </a:p>
           <a:p>
-            <a:pPr lvl="1"/>
+            <a:pPr lvl="1">
+              <a:buFont typeface="Arial" panose="020B0604020202020204" pitchFamily="34" charset="0"/>
+              <a:buChar char="•"/>
+            </a:pPr>
             <a:r>
               <a:rPr lang="en-US" dirty="0"/>
               <a:t> Vector database</a:t>
             </a:r>
           </a:p>
           <a:p>
-            <a:pPr lvl="1"/>
+            <a:pPr lvl="1">
+              <a:buFont typeface="Arial" panose="020B0604020202020204" pitchFamily="34" charset="0"/>
+              <a:buChar char="•"/>
+            </a:pPr>
             <a:r>
               <a:rPr lang="en-US" dirty="0"/>
               <a:t> Prompt Engineering</a:t>
             </a:r>
           </a:p>
           <a:p>
-            <a:pPr lvl="1"/>
+            <a:pPr lvl="1">
+              <a:buFont typeface="Arial" panose="020B0604020202020204" pitchFamily="34" charset="0"/>
+              <a:buChar char="•"/>
+            </a:pPr>
             <a:r>
               <a:rPr lang="en-US" dirty="0"/>
               <a:t> Python frameworks to build quick LLM applications: </a:t>
@@ -34352,6 +35093,10 @@
             <a:endParaRPr lang="en-US" dirty="0"/>
           </a:p>
           <a:p>
+            <a:pPr>
+              <a:buFont typeface="Arial" panose="020B0604020202020204" pitchFamily="34" charset="0"/>
+              <a:buChar char="•"/>
+            </a:pPr>
             <a:r>
               <a:rPr lang="en-US" dirty="0"/>
               <a:t> Simple demos, source-code examples</a:t>
@@ -34974,14 +35719,18 @@
             <a:r>
               <a:rPr lang="en-US" sz="1600" b="1" dirty="0">
                 <a:solidFill>
-                  <a:srgbClr val="090A49"/>
+                  <a:srgbClr val="002060"/>
                 </a:solidFill>
               </a:rPr>
               <a:t>Empowers language applications, that</a:t>
             </a:r>
           </a:p>
           <a:p>
-            <a:endParaRPr lang="en-US" sz="1600" dirty="0"/>
+            <a:endParaRPr lang="en-US" sz="1600" dirty="0">
+              <a:solidFill>
+                <a:srgbClr val="002060"/>
+              </a:solidFill>
+            </a:endParaRPr>
           </a:p>
           <a:p>
             <a:pPr marL="285750" indent="-285750">
@@ -34989,11 +35738,19 @@
               <a:buChar char="•"/>
             </a:pPr>
             <a:r>
-              <a:rPr lang="en-US" sz="1600" b="1" dirty="0"/>
+              <a:rPr lang="en-US" sz="1600" b="1" dirty="0">
+                <a:solidFill>
+                  <a:srgbClr val="002060"/>
+                </a:solidFill>
+              </a:rPr>
               <a:t>Context-aware</a:t>
             </a:r>
             <a:r>
-              <a:rPr lang="en-US" sz="1600" dirty="0"/>
+              <a:rPr lang="en-US" sz="1600" dirty="0">
+                <a:solidFill>
+                  <a:srgbClr val="002060"/>
+                </a:solidFill>
+              </a:rPr>
               <a:t>: connect a language model to context sources</a:t>
             </a:r>
           </a:p>
@@ -35003,7 +35760,11 @@
               <a:buChar char="•"/>
             </a:pPr>
             <a:r>
-              <a:rPr lang="en-US" sz="1600" dirty="0"/>
+              <a:rPr lang="en-US" sz="1600" dirty="0">
+                <a:solidFill>
+                  <a:srgbClr val="002060"/>
+                </a:solidFill>
+              </a:rPr>
               <a:t>Prompt instructions</a:t>
             </a:r>
           </a:p>
@@ -35013,7 +35774,11 @@
               <a:buChar char="•"/>
             </a:pPr>
             <a:r>
-              <a:rPr lang="en-US" sz="1600" dirty="0"/>
+              <a:rPr lang="en-US" sz="1600" dirty="0">
+                <a:solidFill>
+                  <a:srgbClr val="002060"/>
+                </a:solidFill>
+              </a:rPr>
               <a:t>Few shot examples</a:t>
             </a:r>
           </a:p>
@@ -35023,7 +35788,11 @@
               <a:buChar char="•"/>
             </a:pPr>
             <a:r>
-              <a:rPr lang="en-US" sz="1600" dirty="0"/>
+              <a:rPr lang="en-US" sz="1600" dirty="0">
+                <a:solidFill>
+                  <a:srgbClr val="002060"/>
+                </a:solidFill>
+              </a:rPr>
               <a:t>Content to ground its responses in, etc.</a:t>
             </a:r>
           </a:p>
@@ -35033,11 +35802,19 @@
               <a:buChar char="•"/>
             </a:pPr>
             <a:r>
-              <a:rPr lang="en-US" sz="1600" b="1" dirty="0"/>
+              <a:rPr lang="en-US" sz="1600" b="1" dirty="0">
+                <a:solidFill>
+                  <a:srgbClr val="002060"/>
+                </a:solidFill>
+              </a:rPr>
               <a:t>Reason</a:t>
             </a:r>
             <a:r>
-              <a:rPr lang="en-US" sz="1600" dirty="0"/>
+              <a:rPr lang="en-US" sz="1600" dirty="0">
+                <a:solidFill>
+                  <a:srgbClr val="002060"/>
+                </a:solidFill>
+              </a:rPr>
               <a:t>: rely on language model to reason</a:t>
             </a:r>
           </a:p>
@@ -35047,7 +35824,11 @@
               <a:buChar char="•"/>
             </a:pPr>
             <a:r>
-              <a:rPr lang="en-US" sz="1600" dirty="0"/>
+              <a:rPr lang="en-US" sz="1600" dirty="0">
+                <a:solidFill>
+                  <a:srgbClr val="002060"/>
+                </a:solidFill>
+              </a:rPr>
               <a:t>How to answer based on provided context</a:t>
             </a:r>
           </a:p>
@@ -35057,7 +35838,11 @@
               <a:buChar char="•"/>
             </a:pPr>
             <a:r>
-              <a:rPr lang="en-US" sz="1600" dirty="0"/>
+              <a:rPr lang="en-US" sz="1600" dirty="0">
+                <a:solidFill>
+                  <a:srgbClr val="002060"/>
+                </a:solidFill>
+              </a:rPr>
               <a:t>What actions to take</a:t>
             </a:r>
           </a:p>
@@ -35121,7 +35906,7 @@
         <p:spPr>
           <a:xfrm>
             <a:off x="6662204" y="3268086"/>
-            <a:ext cx="4061340" cy="2384175"/>
+            <a:ext cx="4061340" cy="2953252"/>
           </a:xfrm>
           <a:prstGeom prst="rect">
             <a:avLst/>
@@ -35146,7 +35931,11 @@
           </a:p>
           <a:p>
             <a:pPr algn="ctr"/>
-            <a:endParaRPr lang="en-US" sz="1600" dirty="0"/>
+            <a:endParaRPr lang="en-US" sz="1600" dirty="0">
+              <a:solidFill>
+                <a:srgbClr val="002060"/>
+              </a:solidFill>
+            </a:endParaRPr>
           </a:p>
           <a:p>
             <a:pPr marL="285750" indent="-285750">
@@ -35154,11 +35943,19 @@
               <a:buChar char="•"/>
             </a:pPr>
             <a:r>
-              <a:rPr lang="en-US" sz="1600" dirty="0" err="1"/>
+              <a:rPr lang="en-US" sz="1600" dirty="0" err="1">
+                <a:solidFill>
+                  <a:srgbClr val="002060"/>
+                </a:solidFill>
+              </a:rPr>
               <a:t>Diversed</a:t>
             </a:r>
             <a:r>
-              <a:rPr lang="en-US" sz="1600" dirty="0"/>
+              <a:rPr lang="en-US" sz="1600" dirty="0">
+                <a:solidFill>
+                  <a:srgbClr val="002060"/>
+                </a:solidFill>
+              </a:rPr>
               <a:t> LLMs</a:t>
             </a:r>
           </a:p>
@@ -35168,7 +35965,11 @@
               <a:buChar char="•"/>
             </a:pPr>
             <a:r>
-              <a:rPr lang="en-US" sz="1600" dirty="0"/>
+              <a:rPr lang="en-US" sz="1600" dirty="0">
+                <a:solidFill>
+                  <a:srgbClr val="002060"/>
+                </a:solidFill>
+              </a:rPr>
               <a:t>Hugging Face</a:t>
             </a:r>
           </a:p>
@@ -35178,7 +35979,11 @@
               <a:buChar char="•"/>
             </a:pPr>
             <a:r>
-              <a:rPr lang="en-US" sz="1600" dirty="0"/>
+              <a:rPr lang="en-US" sz="1600" dirty="0">
+                <a:solidFill>
+                  <a:srgbClr val="002060"/>
+                </a:solidFill>
+              </a:rPr>
               <a:t>Llama</a:t>
             </a:r>
           </a:p>
@@ -35188,7 +35993,11 @@
               <a:buChar char="•"/>
             </a:pPr>
             <a:r>
-              <a:rPr lang="en-US" sz="1600" dirty="0"/>
+              <a:rPr lang="en-US" sz="1600" dirty="0">
+                <a:solidFill>
+                  <a:srgbClr val="002060"/>
+                </a:solidFill>
+              </a:rPr>
               <a:t>OpenAI</a:t>
             </a:r>
           </a:p>
@@ -35198,7 +36007,11 @@
               <a:buChar char="•"/>
             </a:pPr>
             <a:r>
-              <a:rPr lang="en-US" sz="1600" dirty="0"/>
+              <a:rPr lang="en-US" sz="1600" dirty="0">
+                <a:solidFill>
+                  <a:srgbClr val="002060"/>
+                </a:solidFill>
+              </a:rPr>
               <a:t>Mistral AI</a:t>
             </a:r>
           </a:p>
@@ -35208,7 +36021,11 @@
               <a:buChar char="•"/>
             </a:pPr>
             <a:r>
-              <a:rPr lang="en-US" sz="1600" dirty="0"/>
+              <a:rPr lang="en-US" sz="1600" dirty="0">
+                <a:solidFill>
+                  <a:srgbClr val="002060"/>
+                </a:solidFill>
+              </a:rPr>
               <a:t>…</a:t>
             </a:r>
           </a:p>
@@ -35218,7 +36035,11 @@
               <a:buChar char="•"/>
             </a:pPr>
             <a:r>
-              <a:rPr lang="en-US" sz="1600" dirty="0"/>
+              <a:rPr lang="en-US" sz="1600" dirty="0">
+                <a:solidFill>
+                  <a:srgbClr val="002060"/>
+                </a:solidFill>
+              </a:rPr>
               <a:t>Data sources</a:t>
             </a:r>
           </a:p>
@@ -35228,7 +36049,11 @@
               <a:buChar char="•"/>
             </a:pPr>
             <a:r>
-              <a:rPr lang="en-US" sz="1600" dirty="0"/>
+              <a:rPr lang="en-US" sz="1600" dirty="0">
+                <a:solidFill>
+                  <a:srgbClr val="002060"/>
+                </a:solidFill>
+              </a:rPr>
               <a:t>Search APIs </a:t>
             </a:r>
           </a:p>
@@ -35238,7 +36063,11 @@
               <a:buChar char="•"/>
             </a:pPr>
             <a:r>
-              <a:rPr lang="en-US" sz="1600" dirty="0"/>
+              <a:rPr lang="en-US" sz="1600" dirty="0">
+                <a:solidFill>
+                  <a:srgbClr val="002060"/>
+                </a:solidFill>
+              </a:rPr>
               <a:t>and so on</a:t>
             </a:r>
           </a:p>
@@ -38416,9 +39245,9 @@
         <p:grpSpPr>
           <a:xfrm>
             <a:off x="1923329" y="1690688"/>
-            <a:ext cx="3378407" cy="2982161"/>
+            <a:ext cx="3378407" cy="3259160"/>
             <a:chOff x="419898" y="2400843"/>
-            <a:chExt cx="3378407" cy="2982161"/>
+            <a:chExt cx="3378407" cy="3259160"/>
           </a:xfrm>
         </p:grpSpPr>
         <p:sp>
@@ -38436,7 +39265,7 @@
           <p:spPr>
             <a:xfrm>
               <a:off x="424849" y="2797681"/>
-              <a:ext cx="3373456" cy="2585323"/>
+              <a:ext cx="3373456" cy="2862322"/>
             </a:xfrm>
             <a:prstGeom prst="rect">
               <a:avLst/>
@@ -38452,15 +39281,27 @@
                 <a:defRPr/>
               </a:pPr>
               <a:r>
-                <a:rPr lang="en-US" kern="0" dirty="0"/>
+                <a:rPr lang="en-US" kern="0" dirty="0">
+                  <a:solidFill>
+                    <a:srgbClr val="002060"/>
+                  </a:solidFill>
+                </a:rPr>
                 <a:t>Base abstractions and </a:t>
               </a:r>
               <a:r>
-                <a:rPr lang="en-US" kern="0" dirty="0" err="1"/>
+                <a:rPr lang="en-US" kern="0" dirty="0" err="1">
+                  <a:solidFill>
+                    <a:srgbClr val="002060"/>
+                  </a:solidFill>
+                </a:rPr>
                 <a:t>LangChain</a:t>
               </a:r>
               <a:r>
-                <a:rPr lang="en-US" kern="0" dirty="0"/>
+                <a:rPr lang="en-US" kern="0" dirty="0">
+                  <a:solidFill>
+                    <a:srgbClr val="002060"/>
+                  </a:solidFill>
+                </a:rPr>
                 <a:t> Expression Language (LCEL):</a:t>
               </a:r>
             </a:p>
@@ -38471,7 +39312,11 @@
                 <a:defRPr/>
               </a:pPr>
               <a:r>
-                <a:rPr lang="en-US" kern="0" dirty="0"/>
+                <a:rPr lang="en-US" kern="0" dirty="0">
+                  <a:solidFill>
+                    <a:srgbClr val="002060"/>
+                  </a:solidFill>
+                </a:rPr>
                 <a:t>Parallelization</a:t>
               </a:r>
             </a:p>
@@ -38482,7 +39327,11 @@
                 <a:defRPr/>
               </a:pPr>
               <a:r>
-                <a:rPr lang="en-US" kern="0" dirty="0"/>
+                <a:rPr lang="en-US" kern="0" dirty="0">
+                  <a:solidFill>
+                    <a:srgbClr val="002060"/>
+                  </a:solidFill>
+                </a:rPr>
                 <a:t>Fallbacks</a:t>
               </a:r>
             </a:p>
@@ -38493,7 +39342,11 @@
                 <a:defRPr/>
               </a:pPr>
               <a:r>
-                <a:rPr lang="en-US" kern="0" dirty="0"/>
+                <a:rPr lang="en-US" kern="0" dirty="0">
+                  <a:solidFill>
+                    <a:srgbClr val="002060"/>
+                  </a:solidFill>
+                </a:rPr>
                 <a:t>Tracing</a:t>
               </a:r>
             </a:p>
@@ -38504,7 +39357,11 @@
                 <a:defRPr/>
               </a:pPr>
               <a:r>
-                <a:rPr lang="en-US" kern="0" dirty="0"/>
+                <a:rPr lang="en-US" kern="0" dirty="0">
+                  <a:solidFill>
+                    <a:srgbClr val="002060"/>
+                  </a:solidFill>
+                </a:rPr>
                 <a:t>Batching</a:t>
               </a:r>
             </a:p>
@@ -38515,7 +39372,11 @@
                 <a:defRPr/>
               </a:pPr>
               <a:r>
-                <a:rPr lang="en-US" kern="0" dirty="0"/>
+                <a:rPr lang="en-US" kern="0" dirty="0">
+                  <a:solidFill>
+                    <a:srgbClr val="002060"/>
+                  </a:solidFill>
+                </a:rPr>
                 <a:t>Streaming</a:t>
               </a:r>
             </a:p>
@@ -38526,7 +39387,11 @@
                 <a:defRPr/>
               </a:pPr>
               <a:r>
-                <a:rPr lang="en-US" kern="0" dirty="0"/>
+                <a:rPr lang="en-US" kern="0" dirty="0">
+                  <a:solidFill>
+                    <a:srgbClr val="002060"/>
+                  </a:solidFill>
+                </a:rPr>
                 <a:t>Async</a:t>
               </a:r>
             </a:p>
@@ -38537,7 +39402,11 @@
                 <a:defRPr/>
               </a:pPr>
               <a:r>
-                <a:rPr lang="en-US" kern="0" dirty="0"/>
+                <a:rPr lang="en-US" kern="0" dirty="0">
+                  <a:solidFill>
+                    <a:srgbClr val="002060"/>
+                  </a:solidFill>
+                </a:rPr>
                 <a:t>Composition</a:t>
               </a:r>
             </a:p>
@@ -38579,10 +39448,7 @@
               <a:r>
                 <a:rPr lang="en-US" b="1" kern="0" dirty="0" err="1">
                   <a:solidFill>
-                    <a:schemeClr val="tx2">
-                      <a:lumMod val="50000"/>
-                      <a:lumOff val="50000"/>
-                    </a:schemeClr>
+                    <a:srgbClr val="002060"/>
                   </a:solidFill>
                 </a:rPr>
                 <a:t>LangChain</a:t>
@@ -38590,10 +39456,7 @@
               <a:r>
                 <a:rPr lang="en-US" b="1" kern="0" dirty="0">
                   <a:solidFill>
-                    <a:schemeClr val="tx2">
-                      <a:lumMod val="50000"/>
-                      <a:lumOff val="50000"/>
-                    </a:schemeClr>
+                    <a:srgbClr val="002060"/>
                   </a:solidFill>
                 </a:rPr>
                 <a:t>-Core</a:t>
@@ -38617,9 +39480,9 @@
         <p:grpSpPr>
           <a:xfrm>
             <a:off x="3628937" y="5061274"/>
-            <a:ext cx="4939077" cy="928869"/>
+            <a:ext cx="4939077" cy="1205868"/>
             <a:chOff x="-357961" y="2400843"/>
-            <a:chExt cx="4939077" cy="928869"/>
+            <a:chExt cx="4939077" cy="1205868"/>
           </a:xfrm>
         </p:grpSpPr>
         <p:sp>
@@ -38637,7 +39500,7 @@
           <p:spPr>
             <a:xfrm>
               <a:off x="-357961" y="2683381"/>
-              <a:ext cx="4939077" cy="646331"/>
+              <a:ext cx="4939077" cy="923330"/>
             </a:xfrm>
             <a:prstGeom prst="rect">
               <a:avLst/>
@@ -38653,7 +39516,11 @@
                 <a:defRPr/>
               </a:pPr>
               <a:r>
-                <a:rPr lang="en-US" kern="0" dirty="0"/>
+                <a:rPr lang="en-US" kern="0" dirty="0">
+                  <a:solidFill>
+                    <a:srgbClr val="002060"/>
+                  </a:solidFill>
+                </a:rPr>
                 <a:t>Chains, agents, and retrieval strategies that make up an application's cognitive architecture</a:t>
               </a:r>
             </a:p>
@@ -38692,20 +39559,14 @@
               <a:r>
                 <a:rPr lang="en-US" b="1" kern="0" dirty="0" err="1">
                   <a:solidFill>
-                    <a:schemeClr val="tx2">
-                      <a:lumMod val="90000"/>
-                      <a:lumOff val="10000"/>
-                    </a:schemeClr>
+                    <a:srgbClr val="002060"/>
                   </a:solidFill>
                 </a:rPr>
                 <a:t>LangChain</a:t>
               </a:r>
               <a:endParaRPr lang="en-US" b="1" kern="0" dirty="0">
                 <a:solidFill>
-                  <a:schemeClr val="tx2">
-                    <a:lumMod val="90000"/>
-                    <a:lumOff val="10000"/>
-                  </a:schemeClr>
+                  <a:srgbClr val="002060"/>
                 </a:solidFill>
               </a:endParaRPr>
             </a:p>
@@ -38763,7 +39624,11 @@
                 <a:defRPr/>
               </a:pPr>
               <a:r>
-                <a:rPr lang="en-US" kern="0" dirty="0"/>
+                <a:rPr lang="en-US" kern="0" dirty="0">
+                  <a:solidFill>
+                    <a:srgbClr val="002060"/>
+                  </a:solidFill>
+                </a:rPr>
                 <a:t>Third party integrations</a:t>
               </a:r>
             </a:p>
@@ -38774,7 +39639,11 @@
                 <a:defRPr/>
               </a:pPr>
               <a:r>
-                <a:rPr lang="en-US" kern="0" dirty="0"/>
+                <a:rPr lang="en-US" kern="0" dirty="0">
+                  <a:solidFill>
+                    <a:srgbClr val="002060"/>
+                  </a:solidFill>
+                </a:rPr>
                 <a:t>Model I/O</a:t>
               </a:r>
             </a:p>
@@ -38785,7 +39654,11 @@
                 <a:defRPr/>
               </a:pPr>
               <a:r>
-                <a:rPr lang="en-US" kern="0" dirty="0"/>
+                <a:rPr lang="en-US" kern="0" dirty="0">
+                  <a:solidFill>
+                    <a:srgbClr val="002060"/>
+                  </a:solidFill>
+                </a:rPr>
                 <a:t>Retrieval</a:t>
               </a:r>
             </a:p>
@@ -38796,7 +39669,11 @@
                 <a:defRPr/>
               </a:pPr>
               <a:r>
-                <a:rPr lang="en-US" kern="0" dirty="0"/>
+                <a:rPr lang="en-US" kern="0" dirty="0">
+                  <a:solidFill>
+                    <a:srgbClr val="002060"/>
+                  </a:solidFill>
+                </a:rPr>
                 <a:t>Agent Tooling</a:t>
               </a:r>
             </a:p>
@@ -38804,7 +39681,11 @@
               <a:pPr lvl="0" algn="ctr">
                 <a:defRPr/>
               </a:pPr>
-              <a:endParaRPr lang="en-US" kern="0" dirty="0"/>
+              <a:endParaRPr lang="en-US" kern="0" dirty="0">
+                <a:solidFill>
+                  <a:srgbClr val="002060"/>
+                </a:solidFill>
+              </a:endParaRPr>
             </a:p>
           </p:txBody>
         </p:sp>
@@ -38841,10 +39722,7 @@
               <a:r>
                 <a:rPr lang="en-US" b="1" kern="0" dirty="0" err="1">
                   <a:solidFill>
-                    <a:schemeClr val="tx2">
-                      <a:lumMod val="75000"/>
-                      <a:lumOff val="25000"/>
-                    </a:schemeClr>
+                    <a:srgbClr val="002060"/>
                   </a:solidFill>
                 </a:rPr>
                 <a:t>LangChain</a:t>
@@ -38852,10 +39730,7 @@
               <a:r>
                 <a:rPr lang="en-US" b="1" kern="0" dirty="0">
                   <a:solidFill>
-                    <a:schemeClr val="tx2">
-                      <a:lumMod val="75000"/>
-                      <a:lumOff val="25000"/>
-                    </a:schemeClr>
+                    <a:srgbClr val="002060"/>
                   </a:solidFill>
                 </a:rPr>
                 <a:t>-Community/Modules</a:t>
@@ -39526,7 +40401,11 @@
               <a:defRPr/>
             </a:pPr>
             <a:r>
-              <a:rPr lang="en-US" sz="1600" kern="0" dirty="0"/>
+              <a:rPr lang="en-US" sz="1600" kern="0" dirty="0">
+                <a:solidFill>
+                  <a:srgbClr val="002060"/>
+                </a:solidFill>
+              </a:rPr>
               <a:t>Model</a:t>
             </a:r>
           </a:p>
@@ -39537,7 +40416,11 @@
               <a:defRPr/>
             </a:pPr>
             <a:r>
-              <a:rPr lang="en-US" sz="1600" kern="0" dirty="0"/>
+              <a:rPr lang="en-US" sz="1600" kern="0" dirty="0">
+                <a:solidFill>
+                  <a:srgbClr val="002060"/>
+                </a:solidFill>
+              </a:rPr>
               <a:t>Prompt</a:t>
             </a:r>
           </a:p>
@@ -39548,7 +40431,11 @@
               <a:defRPr/>
             </a:pPr>
             <a:r>
-              <a:rPr lang="en-US" sz="1600" kern="0" dirty="0"/>
+              <a:rPr lang="en-US" sz="1600" kern="0" dirty="0">
+                <a:solidFill>
+                  <a:srgbClr val="002060"/>
+                </a:solidFill>
+              </a:rPr>
               <a:t>Example Selector</a:t>
             </a:r>
           </a:p>
@@ -39559,7 +40446,11 @@
               <a:defRPr/>
             </a:pPr>
             <a:r>
-              <a:rPr lang="en-US" sz="1600" kern="0" dirty="0"/>
+              <a:rPr lang="en-US" sz="1600" kern="0" dirty="0">
+                <a:solidFill>
+                  <a:srgbClr val="002060"/>
+                </a:solidFill>
+              </a:rPr>
               <a:t>Output Parser</a:t>
             </a:r>
           </a:p>
@@ -39599,7 +40490,11 @@
               <a:defRPr/>
             </a:pPr>
             <a:r>
-              <a:rPr lang="en-US" sz="1600" kern="0" dirty="0"/>
+              <a:rPr lang="en-US" sz="1600" kern="0" dirty="0">
+                <a:solidFill>
+                  <a:srgbClr val="002060"/>
+                </a:solidFill>
+              </a:rPr>
               <a:t>Retriever</a:t>
             </a:r>
           </a:p>
@@ -39610,7 +40505,11 @@
               <a:defRPr/>
             </a:pPr>
             <a:r>
-              <a:rPr lang="en-US" sz="1600" kern="0" dirty="0"/>
+              <a:rPr lang="en-US" sz="1600" kern="0" dirty="0">
+                <a:solidFill>
+                  <a:srgbClr val="002060"/>
+                </a:solidFill>
+              </a:rPr>
               <a:t>Document Loader</a:t>
             </a:r>
           </a:p>
@@ -39621,7 +40520,11 @@
               <a:defRPr/>
             </a:pPr>
             <a:r>
-              <a:rPr lang="en-US" sz="1600" kern="0" dirty="0"/>
+              <a:rPr lang="en-US" sz="1600" kern="0" dirty="0">
+                <a:solidFill>
+                  <a:srgbClr val="002060"/>
+                </a:solidFill>
+              </a:rPr>
               <a:t>Vector Store</a:t>
             </a:r>
           </a:p>
@@ -39632,7 +40535,11 @@
               <a:defRPr/>
             </a:pPr>
             <a:r>
-              <a:rPr lang="en-US" sz="1600" kern="0" dirty="0"/>
+              <a:rPr lang="en-US" sz="1600" kern="0" dirty="0">
+                <a:solidFill>
+                  <a:srgbClr val="002060"/>
+                </a:solidFill>
+              </a:rPr>
               <a:t>Text Splitter</a:t>
             </a:r>
           </a:p>
@@ -39643,7 +40550,11 @@
               <a:defRPr/>
             </a:pPr>
             <a:r>
-              <a:rPr lang="en-US" sz="1600" kern="0" dirty="0"/>
+              <a:rPr lang="en-US" sz="1600" kern="0" dirty="0">
+                <a:solidFill>
+                  <a:srgbClr val="002060"/>
+                </a:solidFill>
+              </a:rPr>
               <a:t>Embedding Model</a:t>
             </a:r>
           </a:p>
@@ -39683,7 +40594,11 @@
               <a:defRPr/>
             </a:pPr>
             <a:r>
-              <a:rPr lang="en-US" sz="1600" kern="0" dirty="0"/>
+              <a:rPr lang="en-US" sz="1600" kern="0" dirty="0">
+                <a:solidFill>
+                  <a:srgbClr val="002060"/>
+                </a:solidFill>
+              </a:rPr>
               <a:t>Tools </a:t>
             </a:r>
           </a:p>
@@ -39694,7 +40609,11 @@
               <a:defRPr/>
             </a:pPr>
             <a:r>
-              <a:rPr lang="en-US" sz="1600" kern="0" dirty="0"/>
+              <a:rPr lang="en-US" sz="1600" kern="0" dirty="0">
+                <a:solidFill>
+                  <a:srgbClr val="002060"/>
+                </a:solidFill>
+              </a:rPr>
               <a:t>Toolkits</a:t>
             </a:r>
           </a:p>
